--- a/Machine-Learning-Toolbox/Machine Learning Toolbox.pptx
+++ b/Machine-Learning-Toolbox/Machine Learning Toolbox.pptx
@@ -8,10 +8,7 @@
     <p:sldId id="256" r:id="rId2"/>
     <p:sldId id="257" r:id="rId3"/>
     <p:sldId id="259" r:id="rId4"/>
-    <p:sldId id="263" r:id="rId5"/>
-    <p:sldId id="260" r:id="rId6"/>
-    <p:sldId id="261" r:id="rId7"/>
-    <p:sldId id="262" r:id="rId8"/>
+    <p:sldId id="260" r:id="rId5"/>
   </p:sldIdLst>
   <p:sldSz cx="12192000" cy="6858000"/>
   <p:notesSz cx="7010400" cy="9296400"/>
@@ -299,7 +296,7 @@
             <a:fld id="{B61BEF0D-F0BB-DE4B-95CE-6DB70DBA9567}" type="datetimeFigureOut">
               <a:rPr lang="en-US" smtClean="0"/>
               <a:pPr/>
-              <a:t>4/11/2019</a:t>
+              <a:t>4/17/2019</a:t>
             </a:fld>
             <a:endParaRPr lang="en-US" dirty="0"/>
           </a:p>
@@ -631,7 +628,7 @@
             <a:fld id="{B61BEF0D-F0BB-DE4B-95CE-6DB70DBA9567}" type="datetimeFigureOut">
               <a:rPr lang="en-US" smtClean="0"/>
               <a:pPr/>
-              <a:t>4/11/2019</a:t>
+              <a:t>4/17/2019</a:t>
             </a:fld>
             <a:endParaRPr lang="en-US" dirty="0"/>
           </a:p>
@@ -813,7 +810,7 @@
             <a:fld id="{B61BEF0D-F0BB-DE4B-95CE-6DB70DBA9567}" type="datetimeFigureOut">
               <a:rPr lang="en-US" smtClean="0"/>
               <a:pPr/>
-              <a:t>4/11/2019</a:t>
+              <a:t>4/17/2019</a:t>
             </a:fld>
             <a:endParaRPr lang="en-US" dirty="0"/>
           </a:p>
@@ -985,7 +982,7 @@
             <a:fld id="{B61BEF0D-F0BB-DE4B-95CE-6DB70DBA9567}" type="datetimeFigureOut">
               <a:rPr lang="en-US" smtClean="0"/>
               <a:pPr/>
-              <a:t>4/11/2019</a:t>
+              <a:t>4/17/2019</a:t>
             </a:fld>
             <a:endParaRPr lang="en-US" dirty="0"/>
           </a:p>
@@ -1264,7 +1261,7 @@
             <a:fld id="{B61BEF0D-F0BB-DE4B-95CE-6DB70DBA9567}" type="datetimeFigureOut">
               <a:rPr lang="en-US" smtClean="0"/>
               <a:pPr/>
-              <a:t>4/11/2019</a:t>
+              <a:t>4/17/2019</a:t>
             </a:fld>
             <a:endParaRPr lang="en-US" dirty="0"/>
           </a:p>
@@ -1660,7 +1657,7 @@
             <a:fld id="{B61BEF0D-F0BB-DE4B-95CE-6DB70DBA9567}" type="datetimeFigureOut">
               <a:rPr lang="en-US" smtClean="0"/>
               <a:pPr/>
-              <a:t>4/11/2019</a:t>
+              <a:t>4/17/2019</a:t>
             </a:fld>
             <a:endParaRPr lang="en-US" dirty="0"/>
           </a:p>
@@ -2139,7 +2136,7 @@
             <a:fld id="{B61BEF0D-F0BB-DE4B-95CE-6DB70DBA9567}" type="datetimeFigureOut">
               <a:rPr lang="en-US" smtClean="0"/>
               <a:pPr/>
-              <a:t>4/11/2019</a:t>
+              <a:t>4/17/2019</a:t>
             </a:fld>
             <a:endParaRPr lang="en-US" dirty="0"/>
           </a:p>
@@ -2259,7 +2256,7 @@
             <a:fld id="{B61BEF0D-F0BB-DE4B-95CE-6DB70DBA9567}" type="datetimeFigureOut">
               <a:rPr lang="en-US" smtClean="0"/>
               <a:pPr/>
-              <a:t>4/11/2019</a:t>
+              <a:t>4/17/2019</a:t>
             </a:fld>
             <a:endParaRPr lang="en-US" dirty="0"/>
           </a:p>
@@ -2356,7 +2353,7 @@
             <a:fld id="{B61BEF0D-F0BB-DE4B-95CE-6DB70DBA9567}" type="datetimeFigureOut">
               <a:rPr lang="en-US" smtClean="0"/>
               <a:pPr/>
-              <a:t>4/11/2019</a:t>
+              <a:t>4/17/2019</a:t>
             </a:fld>
             <a:endParaRPr lang="en-US" dirty="0"/>
           </a:p>
@@ -2704,7 +2701,7 @@
             <a:fld id="{B61BEF0D-F0BB-DE4B-95CE-6DB70DBA9567}" type="datetimeFigureOut">
               <a:rPr lang="en-US" smtClean="0"/>
               <a:pPr/>
-              <a:t>4/11/2019</a:t>
+              <a:t>4/17/2019</a:t>
             </a:fld>
             <a:endParaRPr lang="en-US" dirty="0"/>
           </a:p>
@@ -3094,7 +3091,7 @@
             <a:fld id="{B61BEF0D-F0BB-DE4B-95CE-6DB70DBA9567}" type="datetimeFigureOut">
               <a:rPr lang="en-US" smtClean="0"/>
               <a:pPr/>
-              <a:t>4/11/2019</a:t>
+              <a:t>4/17/2019</a:t>
             </a:fld>
             <a:endParaRPr lang="en-US" dirty="0"/>
           </a:p>
@@ -3374,7 +3371,7 @@
             <a:fld id="{B61BEF0D-F0BB-DE4B-95CE-6DB70DBA9567}" type="datetimeFigureOut">
               <a:rPr lang="en-US" smtClean="0"/>
               <a:pPr/>
-              <a:t>4/11/2019</a:t>
+              <a:t>4/17/2019</a:t>
             </a:fld>
             <a:endParaRPr lang="en-US" dirty="0"/>
           </a:p>
@@ -4179,7 +4176,13 @@
               <a:rPr lang="en-US" smtClean="0">
                 <a:latin typeface="Arial Rounded MT Bold" panose="020F0704030504030204" pitchFamily="34" charset="0"/>
               </a:rPr>
-              <a:t>Supervised Learning</a:t>
+              <a:t>Supervised </a:t>
+            </a:r>
+            <a:r>
+              <a:rPr lang="en-US" smtClean="0">
+                <a:latin typeface="Arial Rounded MT Bold" panose="020F0704030504030204" pitchFamily="34" charset="0"/>
+              </a:rPr>
+              <a:t>Learning Overview</a:t>
             </a:r>
             <a:endParaRPr lang="en-US" dirty="0">
               <a:latin typeface="Arial Rounded MT Bold" panose="020F0704030504030204" pitchFamily="34" charset="0"/>
@@ -4527,7 +4530,7 @@
         </p:nvSpPr>
         <p:spPr>
           <a:xfrm>
-            <a:off x="1598280" y="4627761"/>
+            <a:off x="1598280" y="4750221"/>
             <a:ext cx="3185487" cy="1277273"/>
           </a:xfrm>
           <a:prstGeom prst="rect">
@@ -4591,9 +4594,6 @@
               </a:rPr>
               <a:t>model_rmse &lt;- sqrt(mean(error ^2))</a:t>
             </a:r>
-            <a:endParaRPr lang="en-US" sz="1100" smtClean="0">
-              <a:latin typeface="Consolas" panose="020B0609020204030204" pitchFamily="49" charset="0"/>
-            </a:endParaRPr>
           </a:p>
         </p:txBody>
       </p:sp>
@@ -4661,7 +4661,7 @@
               <a:rPr lang="en-US" smtClean="0">
                 <a:latin typeface="Arial Rounded MT Bold" panose="020F0704030504030204" pitchFamily="34" charset="0"/>
               </a:rPr>
-              <a:t>Correlation</a:t>
+              <a:t>Out-of-Sample RMSE</a:t>
             </a:r>
             <a:endParaRPr lang="en-US" dirty="0">
               <a:latin typeface="Arial Rounded MT Bold" panose="020F0704030504030204" pitchFamily="34" charset="0"/>
@@ -4669,15 +4669,136 @@
           </a:p>
         </p:txBody>
       </p:sp>
+      <p:sp>
+        <p:nvSpPr>
+          <p:cNvPr id="3" name="TextBox 2"/>
+          <p:cNvSpPr txBox="1"/>
+          <p:nvPr/>
+        </p:nvSpPr>
+        <p:spPr>
+          <a:xfrm>
+            <a:off x="1371600" y="1380565"/>
+            <a:ext cx="9746766" cy="1754326"/>
+          </a:xfrm>
+          <a:prstGeom prst="rect">
+            <a:avLst/>
+          </a:prstGeom>
+          <a:noFill/>
+        </p:spPr>
+        <p:txBody>
+          <a:bodyPr wrap="square" rtlCol="0">
+            <a:spAutoFit/>
+          </a:bodyPr>
+          <a:lstStyle/>
+          <a:p>
+            <a:r>
+              <a:rPr lang="en-US" sz="1200" smtClean="0"/>
+              <a:t>One way to take a train/test split of a dataset is to order the dataset randomly, then divide it into the two sets. This ensures that the training/test are both random samples and that any biases in the ordering of the dataset are not retained in the sample we take for training and testing your models.</a:t>
+            </a:r>
+          </a:p>
+          <a:p>
+            <a:endParaRPr lang="en-US" sz="1200"/>
+          </a:p>
+          <a:p>
+            <a:r>
+              <a:rPr lang="en-US" sz="1200" smtClean="0"/>
+              <a:t>Once the dataset in randomized, split the first 80% of the dataset into a training set and the remaining 20% into a test set.</a:t>
+            </a:r>
+          </a:p>
+          <a:p>
+            <a:endParaRPr lang="en-US" sz="1200"/>
+          </a:p>
+          <a:p>
+            <a:r>
+              <a:rPr lang="en-US" sz="1200" smtClean="0"/>
+              <a:t>The next step is to building a linear regression model – using lm() – on your training data and the use predict() to make predictions on your test data.</a:t>
+            </a:r>
+          </a:p>
+          <a:p>
+            <a:endParaRPr lang="en-US" sz="1200"/>
+          </a:p>
+          <a:p>
+            <a:r>
+              <a:rPr lang="en-US" sz="1200" smtClean="0"/>
+              <a:t>The final step is to calculate the error on the predictions. The RMSE of these prediction errors is called to the out-of-sample RMSE. Compare the out-of-sample RMSE to the in-sample RMSE in order to assess the extent of over-fitting in the in-sample model.</a:t>
+            </a:r>
+            <a:endParaRPr lang="en-US" sz="1200" smtClean="0"/>
+          </a:p>
+        </p:txBody>
+      </p:sp>
+      <p:sp>
+        <p:nvSpPr>
+          <p:cNvPr id="17" name="Title 1"/>
+          <p:cNvSpPr txBox="1">
+            <a:spLocks/>
+          </p:cNvSpPr>
+          <p:nvPr/>
+        </p:nvSpPr>
+        <p:spPr>
+          <a:xfrm>
+            <a:off x="2590800" y="6642549"/>
+            <a:ext cx="9601200" cy="215451"/>
+          </a:xfrm>
+          <a:prstGeom prst="rect">
+            <a:avLst/>
+          </a:prstGeom>
+        </p:spPr>
+        <p:txBody>
+          <a:bodyPr vert="horz" lIns="91440" tIns="45720" rIns="91440" bIns="45720" rtlCol="0" anchor="t">
+            <a:noAutofit/>
+          </a:bodyPr>
+          <a:lstStyle>
+            <a:lvl1pPr algn="l" defTabSz="914400" rtl="0" eaLnBrk="1" latinLnBrk="0" hangingPunct="1">
+              <a:lnSpc>
+                <a:spcPct val="89000"/>
+              </a:lnSpc>
+              <a:spcBef>
+                <a:spcPct val="0"/>
+              </a:spcBef>
+              <a:buNone/>
+              <a:defRPr sz="4400" kern="1200" baseline="0">
+                <a:solidFill>
+                  <a:schemeClr val="tx2"/>
+                </a:solidFill>
+                <a:latin typeface="+mj-lt"/>
+                <a:ea typeface="+mj-ea"/>
+                <a:cs typeface="+mj-cs"/>
+              </a:defRPr>
+            </a:lvl1pPr>
+          </a:lstStyle>
+          <a:p>
+            <a:pPr algn="r"/>
+            <a:r>
+              <a:rPr lang="en-US" sz="1000" smtClean="0">
+                <a:solidFill>
+                  <a:schemeClr val="bg2">
+                    <a:lumMod val="90000"/>
+                  </a:schemeClr>
+                </a:solidFill>
+                <a:latin typeface="Arial Rounded MT Bold" panose="020F0704030504030204" pitchFamily="34" charset="0"/>
+              </a:rPr>
+              <a:t>Regression models: fitting them and evaluating their performance</a:t>
+            </a:r>
+            <a:endParaRPr lang="en-US" sz="1000" dirty="0">
+              <a:solidFill>
+                <a:schemeClr val="bg2">
+                  <a:lumMod val="90000"/>
+                </a:schemeClr>
+              </a:solidFill>
+              <a:latin typeface="Arial Rounded MT Bold" panose="020F0704030504030204" pitchFamily="34" charset="0"/>
+            </a:endParaRPr>
+          </a:p>
+        </p:txBody>
+      </p:sp>
       <p:grpSp>
         <p:nvGrpSpPr>
-          <p:cNvPr id="4" name="Group 3"/>
+          <p:cNvPr id="18" name="Group 17"/>
           <p:cNvGrpSpPr/>
           <p:nvPr/>
         </p:nvGrpSpPr>
         <p:grpSpPr>
           <a:xfrm>
-            <a:off x="1371600" y="1257301"/>
+            <a:off x="1371600" y="3392585"/>
             <a:ext cx="9746766" cy="369332"/>
             <a:chOff x="1279822" y="3765833"/>
             <a:chExt cx="9746766" cy="369332"/>
@@ -4685,16 +4806,16 @@
         </p:grpSpPr>
         <p:cxnSp>
           <p:nvCxnSpPr>
-            <p:cNvPr id="5" name="Straight Connector 4"/>
+            <p:cNvPr id="20" name="Straight Connector 19"/>
             <p:cNvCxnSpPr>
-              <a:stCxn id="6" idx="3"/>
+              <a:stCxn id="21" idx="3"/>
             </p:cNvCxnSpPr>
             <p:nvPr/>
           </p:nvCxnSpPr>
           <p:spPr>
             <a:xfrm>
-              <a:off x="4782704" y="3950499"/>
-              <a:ext cx="6243884" cy="0"/>
+              <a:off x="9705077" y="3950499"/>
+              <a:ext cx="1321511" cy="0"/>
             </a:xfrm>
             <a:prstGeom prst="line">
               <a:avLst/>
@@ -4717,14 +4838,14 @@
         </p:cxnSp>
         <p:sp>
           <p:nvSpPr>
-            <p:cNvPr id="6" name="TextBox 5"/>
+            <p:cNvPr id="21" name="TextBox 20"/>
             <p:cNvSpPr txBox="1"/>
             <p:nvPr/>
           </p:nvSpPr>
           <p:spPr>
             <a:xfrm>
               <a:off x="1279822" y="3765833"/>
-              <a:ext cx="3502882" cy="369332"/>
+              <a:ext cx="8425255" cy="369332"/>
             </a:xfrm>
             <a:prstGeom prst="rect">
               <a:avLst/>
@@ -4759,7 +4880,7 @@
                     <a:srgbClr val="00B0F0"/>
                   </a:solidFill>
                 </a:rPr>
-                <a:t>(Calculating Correlation)</a:t>
+                <a:t>(Building a linear regression model and evaluating its out-of-sample RMSE)</a:t>
               </a:r>
               <a:endParaRPr lang="en-US" b="1" dirty="0">
                 <a:solidFill>
@@ -4772,14 +4893,14 @@
       </p:grpSp>
       <p:sp>
         <p:nvSpPr>
-          <p:cNvPr id="7" name="TextBox 6"/>
+          <p:cNvPr id="22" name="TextBox 21"/>
           <p:cNvSpPr txBox="1"/>
           <p:nvPr/>
         </p:nvSpPr>
         <p:spPr>
           <a:xfrm>
-            <a:off x="1598280" y="1626633"/>
-            <a:ext cx="5493812" cy="600164"/>
+            <a:off x="1598280" y="3884377"/>
+            <a:ext cx="3416320" cy="938719"/>
           </a:xfrm>
           <a:prstGeom prst="rect">
             <a:avLst/>
@@ -4801,497 +4922,56 @@
               <a:rPr lang="en-US" sz="1100" smtClean="0">
                 <a:latin typeface="Consolas" panose="020B0609020204030204" pitchFamily="49" charset="0"/>
               </a:rPr>
-              <a:t>ncbirths %&gt;%</a:t>
-            </a:r>
-          </a:p>
-          <a:p>
-            <a:r>
-              <a:rPr lang="en-US" sz="1100" i="1">
-                <a:latin typeface="Consolas" panose="020B0609020204030204" pitchFamily="49" charset="0"/>
-              </a:rPr>
-              <a:t>	</a:t>
-            </a:r>
-            <a:r>
-              <a:rPr lang="en-US" sz="1100" i="1" smtClean="0">
-                <a:latin typeface="Consolas" panose="020B0609020204030204" pitchFamily="49" charset="0"/>
-              </a:rPr>
-              <a:t>summarise</a:t>
-            </a:r>
+              <a:t>set.seed(42)</a:t>
+            </a:r>
+            <a:endParaRPr lang="en-US" sz="1100" smtClean="0">
+              <a:latin typeface="Consolas" panose="020B0609020204030204" pitchFamily="49" charset="0"/>
+            </a:endParaRPr>
+          </a:p>
+          <a:p>
+            <a:endParaRPr lang="en-US" sz="1100">
+              <a:latin typeface="Consolas" panose="020B0609020204030204" pitchFamily="49" charset="0"/>
+            </a:endParaRPr>
+          </a:p>
+          <a:p>
             <a:r>
               <a:rPr lang="en-US" sz="1100" smtClean="0">
                 <a:latin typeface="Consolas" panose="020B0609020204030204" pitchFamily="49" charset="0"/>
               </a:rPr>
-              <a:t>(obs = </a:t>
-            </a:r>
-            <a:r>
-              <a:rPr lang="en-US" sz="1100" i="1" smtClean="0">
-                <a:latin typeface="Consolas" panose="020B0609020204030204" pitchFamily="49" charset="0"/>
-              </a:rPr>
-              <a:t>n</a:t>
-            </a:r>
+              <a:t>shuffled_rows &lt;- sample(nrow(diamonds))</a:t>
+            </a:r>
+            <a:endParaRPr lang="en-US" sz="1100" smtClean="0">
+              <a:latin typeface="Consolas" panose="020B0609020204030204" pitchFamily="49" charset="0"/>
+            </a:endParaRPr>
+          </a:p>
+          <a:p>
+            <a:endParaRPr lang="en-US" sz="1100">
+              <a:latin typeface="Consolas" panose="020B0609020204030204" pitchFamily="49" charset="0"/>
+            </a:endParaRPr>
+          </a:p>
+          <a:p>
             <a:r>
               <a:rPr lang="en-US" sz="1100" smtClean="0">
                 <a:latin typeface="Consolas" panose="020B0609020204030204" pitchFamily="49" charset="0"/>
               </a:rPr>
-              <a:t>(),</a:t>
-            </a:r>
-          </a:p>
-          <a:p>
-            <a:r>
-              <a:rPr lang="en-US" sz="1100">
-                <a:latin typeface="Consolas" panose="020B0609020204030204" pitchFamily="49" charset="0"/>
-              </a:rPr>
-              <a:t>	</a:t>
-            </a:r>
-            <a:r>
-              <a:rPr lang="en-US" sz="1100" smtClean="0">
-                <a:latin typeface="Consolas" panose="020B0609020204030204" pitchFamily="49" charset="0"/>
-              </a:rPr>
-              <a:t>	    r = </a:t>
-            </a:r>
-            <a:r>
-              <a:rPr lang="en-US" sz="1100" i="1" smtClean="0">
-                <a:latin typeface="Consolas" panose="020B0609020204030204" pitchFamily="49" charset="0"/>
-              </a:rPr>
-              <a:t>cor</a:t>
-            </a:r>
-            <a:r>
-              <a:rPr lang="en-US" sz="1100" smtClean="0">
-                <a:latin typeface="Consolas" panose="020B0609020204030204" pitchFamily="49" charset="0"/>
-              </a:rPr>
-              <a:t>(weight, mage, use = “pairwise.complete.obs”))</a:t>
-            </a:r>
-          </a:p>
-        </p:txBody>
-      </p:sp>
-      <p:sp>
-        <p:nvSpPr>
-          <p:cNvPr id="8" name="TextBox 7"/>
+              <a:t>shuffled_data &lt;- diamonds[shuffled_rows, ]</a:t>
+            </a:r>
+            <a:endParaRPr lang="en-US" sz="1100" smtClean="0">
+              <a:latin typeface="Consolas" panose="020B0609020204030204" pitchFamily="49" charset="0"/>
+            </a:endParaRPr>
+          </a:p>
+        </p:txBody>
+      </p:sp>
+      <p:sp>
+        <p:nvSpPr>
+          <p:cNvPr id="10" name="TextBox 9"/>
           <p:cNvSpPr txBox="1"/>
           <p:nvPr/>
         </p:nvSpPr>
         <p:spPr>
           <a:xfrm>
-            <a:off x="2732451" y="2495650"/>
-            <a:ext cx="2811396" cy="415498"/>
-          </a:xfrm>
-          <a:prstGeom prst="rect">
-            <a:avLst/>
-          </a:prstGeom>
-          <a:noFill/>
-        </p:spPr>
-        <p:txBody>
-          <a:bodyPr wrap="square" rtlCol="0">
-            <a:spAutoFit/>
-          </a:bodyPr>
-          <a:lstStyle/>
-          <a:p>
-            <a:pPr algn="ctr"/>
-            <a:r>
-              <a:rPr lang="en-US" sz="1050" smtClean="0">
-                <a:solidFill>
-                  <a:srgbClr val="C00000"/>
-                </a:solidFill>
-                <a:latin typeface="Arial" panose="020B0604020202020204" pitchFamily="34" charset="0"/>
-                <a:cs typeface="Arial" panose="020B0604020202020204" pitchFamily="34" charset="0"/>
-              </a:rPr>
-              <a:t>correlation is symmetric – that is, the order of the variables does not matter</a:t>
-            </a:r>
-            <a:endParaRPr lang="en-US" sz="1050">
-              <a:solidFill>
-                <a:srgbClr val="C00000"/>
-              </a:solidFill>
-              <a:latin typeface="Arial" panose="020B0604020202020204" pitchFamily="34" charset="0"/>
-              <a:cs typeface="Arial" panose="020B0604020202020204" pitchFamily="34" charset="0"/>
-            </a:endParaRPr>
-          </a:p>
-        </p:txBody>
-      </p:sp>
-      <p:cxnSp>
-        <p:nvCxnSpPr>
-          <p:cNvPr id="9" name="Straight Arrow Connector 8"/>
-          <p:cNvCxnSpPr>
-            <a:stCxn id="8" idx="0"/>
-          </p:cNvCxnSpPr>
-          <p:nvPr/>
-        </p:nvCxnSpPr>
-        <p:spPr>
-          <a:xfrm flipH="1" flipV="1">
-            <a:off x="3854824" y="2187388"/>
-            <a:ext cx="283325" cy="308262"/>
-          </a:xfrm>
-          <a:prstGeom prst="straightConnector1">
-            <a:avLst/>
-          </a:prstGeom>
-          <a:ln w="9525" cap="flat" cmpd="sng" algn="ctr">
-            <a:solidFill>
-              <a:schemeClr val="accent1"/>
-            </a:solidFill>
-            <a:prstDash val="solid"/>
-            <a:round/>
-            <a:headEnd type="none" w="med" len="med"/>
-            <a:tailEnd type="arrow" w="med" len="med"/>
-          </a:ln>
-        </p:spPr>
-        <p:style>
-          <a:lnRef idx="0">
-            <a:scrgbClr r="0" g="0" b="0"/>
-          </a:lnRef>
-          <a:fillRef idx="0">
-            <a:scrgbClr r="0" g="0" b="0"/>
-          </a:fillRef>
-          <a:effectRef idx="0">
-            <a:scrgbClr r="0" g="0" b="0"/>
-          </a:effectRef>
-          <a:fontRef idx="minor">
-            <a:schemeClr val="tx1"/>
-          </a:fontRef>
-        </p:style>
-      </p:cxnSp>
-      <p:cxnSp>
-        <p:nvCxnSpPr>
-          <p:cNvPr id="11" name="Straight Arrow Connector 10"/>
-          <p:cNvCxnSpPr>
-            <a:stCxn id="8" idx="0"/>
-          </p:cNvCxnSpPr>
-          <p:nvPr/>
-        </p:nvCxnSpPr>
-        <p:spPr>
-          <a:xfrm flipV="1">
-            <a:off x="4138149" y="2169459"/>
-            <a:ext cx="135027" cy="326191"/>
-          </a:xfrm>
-          <a:prstGeom prst="straightConnector1">
-            <a:avLst/>
-          </a:prstGeom>
-          <a:ln w="9525" cap="flat" cmpd="sng" algn="ctr">
-            <a:solidFill>
-              <a:schemeClr val="accent1"/>
-            </a:solidFill>
-            <a:prstDash val="solid"/>
-            <a:round/>
-            <a:headEnd type="none" w="med" len="med"/>
-            <a:tailEnd type="arrow" w="med" len="med"/>
-          </a:ln>
-        </p:spPr>
-        <p:style>
-          <a:lnRef idx="0">
-            <a:scrgbClr r="0" g="0" b="0"/>
-          </a:lnRef>
-          <a:fillRef idx="0">
-            <a:scrgbClr r="0" g="0" b="0"/>
-          </a:fillRef>
-          <a:effectRef idx="0">
-            <a:scrgbClr r="0" g="0" b="0"/>
-          </a:effectRef>
-          <a:fontRef idx="minor">
-            <a:schemeClr val="tx1"/>
-          </a:fontRef>
-        </p:style>
-      </p:cxnSp>
-      <p:sp>
-        <p:nvSpPr>
-          <p:cNvPr id="14" name="TextBox 13"/>
-          <p:cNvSpPr txBox="1"/>
-          <p:nvPr/>
-        </p:nvSpPr>
-        <p:spPr>
-          <a:xfrm>
-            <a:off x="1371600" y="3011627"/>
-            <a:ext cx="9746766" cy="1754326"/>
-          </a:xfrm>
-          <a:prstGeom prst="rect">
-            <a:avLst/>
-          </a:prstGeom>
-          <a:noFill/>
-        </p:spPr>
-        <p:txBody>
-          <a:bodyPr wrap="square" rtlCol="0">
-            <a:spAutoFit/>
-          </a:bodyPr>
-          <a:lstStyle/>
-          <a:p>
-            <a:r>
-              <a:rPr lang="en-US" sz="1200" smtClean="0"/>
-              <a:t>The Anscombe dataset demonstrates why visualizing the dataset is critically important in conjuction with calculating statistics on the dataset.</a:t>
-            </a:r>
-            <a:endParaRPr lang="en-US" sz="1200" dirty="0"/>
-          </a:p>
-          <a:p>
-            <a:pPr>
-              <a:tabLst>
-                <a:tab pos="573088" algn="l"/>
-              </a:tabLst>
-            </a:pPr>
-            <a:endParaRPr lang="en-US" sz="1200" dirty="0"/>
-          </a:p>
-          <a:p>
-            <a:pPr>
-              <a:tabLst>
-                <a:tab pos="573088" algn="l"/>
-              </a:tabLst>
-            </a:pPr>
-            <a:r>
-              <a:rPr lang="en-US" sz="1200" smtClean="0"/>
-              <a:t>Statisticians have shown that people’s perception of the strength of a relationship can be influenced by design choices like the x and y axis.</a:t>
-            </a:r>
-            <a:endParaRPr lang="en-US" sz="1200" dirty="0"/>
-          </a:p>
-          <a:p>
-            <a:pPr>
-              <a:tabLst>
-                <a:tab pos="573088" algn="l"/>
-              </a:tabLst>
-            </a:pPr>
-            <a:r>
-              <a:rPr lang="en-US" sz="1200" dirty="0"/>
-              <a:t>Its helpful to think of a scatterplot as a generalization of a side-by-side boxplot of the discretized explanatory </a:t>
-            </a:r>
-            <a:r>
-              <a:rPr lang="en-US" sz="1200"/>
-              <a:t>variable</a:t>
-            </a:r>
-            <a:r>
-              <a:rPr lang="en-US" sz="1200" smtClean="0"/>
-              <a:t>.</a:t>
-            </a:r>
-          </a:p>
-          <a:p>
-            <a:pPr>
-              <a:tabLst>
-                <a:tab pos="573088" algn="l"/>
-              </a:tabLst>
-            </a:pPr>
-            <a:endParaRPr lang="en-US" sz="1200"/>
-          </a:p>
-          <a:p>
-            <a:pPr>
-              <a:tabLst>
-                <a:tab pos="573088" algn="l"/>
-              </a:tabLst>
-            </a:pPr>
-            <a:r>
-              <a:rPr lang="en-US" sz="1200" smtClean="0"/>
-              <a:t>Remember: correlation suggests the presence or lack of association in a bivariate relationship, it does NOT imply causation.</a:t>
-            </a:r>
-          </a:p>
-          <a:p>
-            <a:pPr>
-              <a:tabLst>
-                <a:tab pos="573088" algn="l"/>
-              </a:tabLst>
-            </a:pPr>
-            <a:endParaRPr lang="en-US" sz="1200"/>
-          </a:p>
-          <a:p>
-            <a:pPr>
-              <a:tabLst>
-                <a:tab pos="573088" algn="l"/>
-              </a:tabLst>
-            </a:pPr>
-            <a:r>
-              <a:rPr lang="en-US" sz="1200" smtClean="0"/>
-              <a:t>Remarkable but non-sensical correlation is referred to as spurious correlation. Confounders are usually the culprit that leads to spurious correlation. Time and Space (geography) are classic confounding variables. Random noise can all lead to patterns with spurious correlation.</a:t>
-            </a:r>
-            <a:endParaRPr lang="en-US" sz="1200" dirty="0"/>
-          </a:p>
-        </p:txBody>
-      </p:sp>
-      <p:sp>
-        <p:nvSpPr>
-          <p:cNvPr id="18" name="TextBox 17"/>
-          <p:cNvSpPr txBox="1"/>
-          <p:nvPr/>
-        </p:nvSpPr>
-        <p:spPr>
-          <a:xfrm>
-            <a:off x="5609371" y="2671334"/>
-            <a:ext cx="2191020" cy="253916"/>
-          </a:xfrm>
-          <a:prstGeom prst="rect">
-            <a:avLst/>
-          </a:prstGeom>
-          <a:noFill/>
-        </p:spPr>
-        <p:txBody>
-          <a:bodyPr wrap="square" rtlCol="0">
-            <a:spAutoFit/>
-          </a:bodyPr>
-          <a:lstStyle/>
-          <a:p>
-            <a:pPr algn="ctr"/>
-            <a:r>
-              <a:rPr lang="en-US" sz="1050" smtClean="0">
-                <a:solidFill>
-                  <a:srgbClr val="C00000"/>
-                </a:solidFill>
-                <a:latin typeface="Arial" panose="020B0604020202020204" pitchFamily="34" charset="0"/>
-                <a:cs typeface="Arial" panose="020B0604020202020204" pitchFamily="34" charset="0"/>
-              </a:rPr>
-              <a:t>used to deal with NAs in the data</a:t>
-            </a:r>
-            <a:endParaRPr lang="en-US" sz="1050">
-              <a:solidFill>
-                <a:srgbClr val="C00000"/>
-              </a:solidFill>
-              <a:latin typeface="Arial" panose="020B0604020202020204" pitchFamily="34" charset="0"/>
-              <a:cs typeface="Arial" panose="020B0604020202020204" pitchFamily="34" charset="0"/>
-            </a:endParaRPr>
-          </a:p>
-        </p:txBody>
-      </p:sp>
-      <p:cxnSp>
-        <p:nvCxnSpPr>
-          <p:cNvPr id="19" name="Straight Arrow Connector 18"/>
-          <p:cNvCxnSpPr>
-            <a:stCxn id="18" idx="0"/>
-          </p:cNvCxnSpPr>
-          <p:nvPr/>
-        </p:nvCxnSpPr>
-        <p:spPr>
-          <a:xfrm flipH="1" flipV="1">
-            <a:off x="6012329" y="2187388"/>
-            <a:ext cx="692552" cy="483946"/>
-          </a:xfrm>
-          <a:prstGeom prst="straightConnector1">
-            <a:avLst/>
-          </a:prstGeom>
-          <a:ln w="9525" cap="flat" cmpd="sng" algn="ctr">
-            <a:solidFill>
-              <a:schemeClr val="accent1"/>
-            </a:solidFill>
-            <a:prstDash val="solid"/>
-            <a:round/>
-            <a:headEnd type="none" w="med" len="med"/>
-            <a:tailEnd type="arrow" w="med" len="med"/>
-          </a:ln>
-        </p:spPr>
-        <p:style>
-          <a:lnRef idx="0">
-            <a:scrgbClr r="0" g="0" b="0"/>
-          </a:lnRef>
-          <a:fillRef idx="0">
-            <a:scrgbClr r="0" g="0" b="0"/>
-          </a:fillRef>
-          <a:effectRef idx="0">
-            <a:scrgbClr r="0" g="0" b="0"/>
-          </a:effectRef>
-          <a:fontRef idx="minor">
-            <a:schemeClr val="tx1"/>
-          </a:fontRef>
-        </p:style>
-      </p:cxnSp>
-      <p:grpSp>
-        <p:nvGrpSpPr>
-          <p:cNvPr id="23" name="Group 22"/>
-          <p:cNvGrpSpPr/>
-          <p:nvPr/>
-        </p:nvGrpSpPr>
-        <p:grpSpPr>
-          <a:xfrm>
-            <a:off x="1371600" y="4800418"/>
-            <a:ext cx="9746766" cy="369332"/>
-            <a:chOff x="1279822" y="3765833"/>
-            <a:chExt cx="9746766" cy="369332"/>
-          </a:xfrm>
-        </p:grpSpPr>
-        <p:cxnSp>
-          <p:nvCxnSpPr>
-            <p:cNvPr id="24" name="Straight Connector 23"/>
-            <p:cNvCxnSpPr>
-              <a:stCxn id="25" idx="3"/>
-            </p:cNvCxnSpPr>
-            <p:nvPr/>
-          </p:nvCxnSpPr>
-          <p:spPr>
-            <a:xfrm>
-              <a:off x="4567902" y="3950499"/>
-              <a:ext cx="6458686" cy="0"/>
-            </a:xfrm>
-            <a:prstGeom prst="line">
-              <a:avLst/>
-            </a:prstGeom>
-          </p:spPr>
-          <p:style>
-            <a:lnRef idx="1">
-              <a:schemeClr val="accent1"/>
-            </a:lnRef>
-            <a:fillRef idx="0">
-              <a:schemeClr val="accent1"/>
-            </a:fillRef>
-            <a:effectRef idx="0">
-              <a:schemeClr val="accent1"/>
-            </a:effectRef>
-            <a:fontRef idx="minor">
-              <a:schemeClr val="tx1"/>
-            </a:fontRef>
-          </p:style>
-        </p:cxnSp>
-        <p:sp>
-          <p:nvSpPr>
-            <p:cNvPr id="25" name="TextBox 24"/>
-            <p:cNvSpPr txBox="1"/>
-            <p:nvPr/>
-          </p:nvSpPr>
-          <p:spPr>
-            <a:xfrm>
-              <a:off x="1279822" y="3765833"/>
-              <a:ext cx="3288080" cy="369332"/>
-            </a:xfrm>
-            <a:prstGeom prst="rect">
-              <a:avLst/>
-            </a:prstGeom>
-            <a:noFill/>
-          </p:spPr>
-          <p:txBody>
-            <a:bodyPr wrap="none" rtlCol="0">
-              <a:spAutoFit/>
-            </a:bodyPr>
-            <a:lstStyle/>
-            <a:p>
-              <a:r>
-                <a:rPr lang="en-US" b="1" dirty="0">
-                  <a:solidFill>
-                    <a:srgbClr val="00B0F0"/>
-                  </a:solidFill>
-                </a:rPr>
-                <a:t>Applied </a:t>
-              </a:r>
-              <a:r>
-                <a:rPr lang="en-US" b="1">
-                  <a:solidFill>
-                    <a:srgbClr val="00B0F0"/>
-                  </a:solidFill>
-                </a:rPr>
-                <a:t>R </a:t>
-              </a:r>
-              <a:r>
-                <a:rPr lang="en-US" b="1" smtClean="0">
-                  <a:solidFill>
-                    <a:srgbClr val="00B0F0"/>
-                  </a:solidFill>
-                </a:rPr>
-                <a:t>(Spurious Correlation)</a:t>
-              </a:r>
-              <a:endParaRPr lang="en-US" b="1" dirty="0">
-                <a:solidFill>
-                  <a:srgbClr val="00B0F0"/>
-                </a:solidFill>
-              </a:endParaRPr>
-            </a:p>
-          </p:txBody>
-        </p:sp>
-      </p:grpSp>
-      <p:sp>
-        <p:nvSpPr>
-          <p:cNvPr id="26" name="TextBox 25"/>
-          <p:cNvSpPr txBox="1"/>
-          <p:nvPr/>
-        </p:nvSpPr>
-        <p:spPr>
-          <a:xfrm>
-            <a:off x="1598280" y="5169750"/>
-            <a:ext cx="6032421" cy="938719"/>
+            <a:off x="1598280" y="5189274"/>
+            <a:ext cx="4416594" cy="938719"/>
           </a:xfrm>
           <a:prstGeom prst="rect">
             <a:avLst/>
@@ -5310,484 +4990,99 @@
           <a:lstStyle/>
           <a:p>
             <a:r>
-              <a:rPr lang="en-US" sz="1100" i="1" smtClean="0">
-                <a:latin typeface="Consolas" panose="020B0609020204030204" pitchFamily="49" charset="0"/>
-              </a:rPr>
-              <a:t>ggplot</a:t>
-            </a:r>
-            <a:r>
               <a:rPr lang="en-US" sz="1100" smtClean="0">
                 <a:latin typeface="Consolas" panose="020B0609020204030204" pitchFamily="49" charset="0"/>
               </a:rPr>
-              <a:t>(noise, </a:t>
-            </a:r>
-            <a:r>
-              <a:rPr lang="en-US" sz="1100" i="1" smtClean="0">
-                <a:latin typeface="Consolas" panose="020B0609020204030204" pitchFamily="49" charset="0"/>
-              </a:rPr>
-              <a:t>aes</a:t>
-            </a:r>
+              <a:t>split &lt;- round(nrow(diamonds) * 0.8)</a:t>
+            </a:r>
+            <a:endParaRPr lang="en-US" sz="1100" smtClean="0">
+              <a:latin typeface="Consolas" panose="020B0609020204030204" pitchFamily="49" charset="0"/>
+            </a:endParaRPr>
+          </a:p>
+          <a:p>
+            <a:endParaRPr lang="en-US" sz="1100">
+              <a:latin typeface="Consolas" panose="020B0609020204030204" pitchFamily="49" charset="0"/>
+            </a:endParaRPr>
+          </a:p>
+          <a:p>
             <a:r>
               <a:rPr lang="en-US" sz="1100" smtClean="0">
                 <a:latin typeface="Consolas" panose="020B0609020204030204" pitchFamily="49" charset="0"/>
               </a:rPr>
-              <a:t>(x, y)) + </a:t>
-            </a:r>
-            <a:r>
-              <a:rPr lang="en-US" sz="1100" i="1" smtClean="0">
-                <a:latin typeface="Consolas" panose="020B0609020204030204" pitchFamily="49" charset="0"/>
-              </a:rPr>
-              <a:t>geom_point</a:t>
-            </a:r>
+              <a:t>diamonds_train &lt;- shuffled_data[1:split, ]</a:t>
+            </a:r>
+            <a:endParaRPr lang="en-US" sz="1100" smtClean="0">
+              <a:latin typeface="Consolas" panose="020B0609020204030204" pitchFamily="49" charset="0"/>
+            </a:endParaRPr>
+          </a:p>
+          <a:p>
+            <a:endParaRPr lang="en-US" sz="1100">
+              <a:latin typeface="Consolas" panose="020B0609020204030204" pitchFamily="49" charset="0"/>
+            </a:endParaRPr>
+          </a:p>
+          <a:p>
             <a:r>
               <a:rPr lang="en-US" sz="1100" smtClean="0">
                 <a:latin typeface="Consolas" panose="020B0609020204030204" pitchFamily="49" charset="0"/>
               </a:rPr>
-              <a:t>() + </a:t>
-            </a:r>
-            <a:r>
-              <a:rPr lang="en-US" sz="1100" i="1" smtClean="0">
-                <a:latin typeface="Consolas" panose="020B0609020204030204" pitchFamily="49" charset="0"/>
-              </a:rPr>
-              <a:t>facet_warp</a:t>
-            </a:r>
-            <a:r>
-              <a:rPr lang="en-US" sz="1100" smtClean="0">
-                <a:latin typeface="Consolas" panose="020B0609020204030204" pitchFamily="49" charset="0"/>
-              </a:rPr>
-              <a:t>(~z)</a:t>
-            </a:r>
-          </a:p>
-          <a:p>
-            <a:endParaRPr lang="en-US" sz="1100">
+              <a:t>diamonds_test &lt;- shuffled[(split + 1):nrow(diamonds), ]</a:t>
+            </a:r>
+            <a:endParaRPr lang="en-US" sz="1100" smtClean="0">
               <a:latin typeface="Consolas" panose="020B0609020204030204" pitchFamily="49" charset="0"/>
             </a:endParaRPr>
           </a:p>
-          <a:p>
-            <a:r>
-              <a:rPr lang="en-US" sz="1100" smtClean="0">
-                <a:latin typeface="Consolas" panose="020B0609020204030204" pitchFamily="49" charset="0"/>
-              </a:rPr>
-              <a:t>noise_summary &lt;- noise %&gt;% </a:t>
-            </a:r>
-            <a:r>
-              <a:rPr lang="en-US" sz="1100" i="1" smtClean="0">
-                <a:latin typeface="Consolas" panose="020B0609020204030204" pitchFamily="49" charset="0"/>
-              </a:rPr>
-              <a:t>group_by</a:t>
-            </a:r>
-            <a:r>
-              <a:rPr lang="en-US" sz="1100" smtClean="0">
-                <a:latin typeface="Consolas" panose="020B0609020204030204" pitchFamily="49" charset="0"/>
-              </a:rPr>
-              <a:t>(z) %&gt;% </a:t>
-            </a:r>
-            <a:r>
-              <a:rPr lang="en-US" sz="1100" i="1" smtClean="0">
-                <a:latin typeface="Consolas" panose="020B0609020204030204" pitchFamily="49" charset="0"/>
-              </a:rPr>
-              <a:t>summarise</a:t>
-            </a:r>
-            <a:r>
-              <a:rPr lang="en-US" sz="1100" smtClean="0">
-                <a:latin typeface="Consolas" panose="020B0609020204030204" pitchFamily="49" charset="0"/>
-              </a:rPr>
-              <a:t>(N = </a:t>
-            </a:r>
-            <a:r>
-              <a:rPr lang="en-US" sz="1100" i="1" smtClean="0">
-                <a:latin typeface="Consolas" panose="020B0609020204030204" pitchFamily="49" charset="0"/>
-              </a:rPr>
-              <a:t>n</a:t>
-            </a:r>
-            <a:r>
-              <a:rPr lang="en-US" sz="1100" smtClean="0">
-                <a:latin typeface="Consolas" panose="020B0609020204030204" pitchFamily="49" charset="0"/>
-              </a:rPr>
-              <a:t>(), r = </a:t>
-            </a:r>
-            <a:r>
-              <a:rPr lang="en-US" sz="1100" i="1" smtClean="0">
-                <a:latin typeface="Consolas" panose="020B0609020204030204" pitchFamily="49" charset="0"/>
-              </a:rPr>
-              <a:t>cor</a:t>
-            </a:r>
-            <a:r>
-              <a:rPr lang="en-US" sz="1100" smtClean="0">
-                <a:latin typeface="Consolas" panose="020B0609020204030204" pitchFamily="49" charset="0"/>
-              </a:rPr>
-              <a:t>(x, y))</a:t>
-            </a:r>
-          </a:p>
-          <a:p>
-            <a:endParaRPr lang="en-US" sz="1100">
-              <a:latin typeface="Consolas" panose="020B0609020204030204" pitchFamily="49" charset="0"/>
-            </a:endParaRPr>
-          </a:p>
-          <a:p>
-            <a:r>
-              <a:rPr lang="en-US" sz="1100" smtClean="0">
-                <a:latin typeface="Consolas" panose="020B0609020204030204" pitchFamily="49" charset="0"/>
-              </a:rPr>
-              <a:t>noise_summary %&gt;% </a:t>
-            </a:r>
-            <a:r>
-              <a:rPr lang="en-US" sz="1100" i="1" smtClean="0">
-                <a:latin typeface="Consolas" panose="020B0609020204030204" pitchFamily="49" charset="0"/>
-              </a:rPr>
-              <a:t>filter</a:t>
-            </a:r>
-            <a:r>
-              <a:rPr lang="en-US" sz="1100" smtClean="0">
-                <a:latin typeface="Consolas" panose="020B0609020204030204" pitchFamily="49" charset="0"/>
-              </a:rPr>
-              <a:t>(</a:t>
-            </a:r>
-            <a:r>
-              <a:rPr lang="en-US" sz="1100" i="1" smtClean="0">
-                <a:latin typeface="Consolas" panose="020B0609020204030204" pitchFamily="49" charset="0"/>
-              </a:rPr>
-              <a:t>abs</a:t>
-            </a:r>
-            <a:r>
-              <a:rPr lang="en-US" sz="1100" smtClean="0">
-                <a:latin typeface="Consolas" panose="020B0609020204030204" pitchFamily="49" charset="0"/>
-              </a:rPr>
-              <a:t>(r) &gt; 0.2)</a:t>
-            </a:r>
-          </a:p>
-        </p:txBody>
-      </p:sp>
-      <p:sp>
-        <p:nvSpPr>
-          <p:cNvPr id="27" name="TextBox 26"/>
+        </p:txBody>
+      </p:sp>
+      <p:sp>
+        <p:nvSpPr>
+          <p:cNvPr id="6" name="Down Arrow 5"/>
+          <p:cNvSpPr/>
+          <p:nvPr/>
+        </p:nvSpPr>
+        <p:spPr>
+          <a:xfrm>
+            <a:off x="3306440" y="4889038"/>
+            <a:ext cx="197411" cy="249403"/>
+          </a:xfrm>
+          <a:prstGeom prst="downArrow">
+            <a:avLst/>
+          </a:prstGeom>
+        </p:spPr>
+        <p:style>
+          <a:lnRef idx="2">
+            <a:schemeClr val="accent1">
+              <a:shade val="50000"/>
+            </a:schemeClr>
+          </a:lnRef>
+          <a:fillRef idx="1">
+            <a:schemeClr val="accent1"/>
+          </a:fillRef>
+          <a:effectRef idx="0">
+            <a:schemeClr val="accent1"/>
+          </a:effectRef>
+          <a:fontRef idx="minor">
+            <a:schemeClr val="lt1"/>
+          </a:fontRef>
+        </p:style>
+        <p:txBody>
+          <a:bodyPr rtlCol="0" anchor="ctr"/>
+          <a:lstStyle/>
+          <a:p>
+            <a:pPr algn="ctr"/>
+            <a:endParaRPr lang="en-US"/>
+          </a:p>
+        </p:txBody>
+      </p:sp>
+      <p:sp>
+        <p:nvSpPr>
+          <p:cNvPr id="13" name="TextBox 12"/>
           <p:cNvSpPr txBox="1"/>
           <p:nvPr/>
         </p:nvSpPr>
         <p:spPr>
           <a:xfrm>
-            <a:off x="7722697" y="5350569"/>
-            <a:ext cx="3036141" cy="577081"/>
-          </a:xfrm>
-          <a:prstGeom prst="rect">
-            <a:avLst/>
-          </a:prstGeom>
-          <a:noFill/>
-        </p:spPr>
-        <p:txBody>
-          <a:bodyPr wrap="square" rtlCol="0">
-            <a:spAutoFit/>
-          </a:bodyPr>
-          <a:lstStyle/>
-          <a:p>
-            <a:pPr algn="ctr"/>
-            <a:r>
-              <a:rPr lang="en-US" sz="1050" smtClean="0">
-                <a:solidFill>
-                  <a:srgbClr val="C00000"/>
-                </a:solidFill>
-                <a:latin typeface="Arial" panose="020B0604020202020204" pitchFamily="34" charset="0"/>
-                <a:cs typeface="Arial" panose="020B0604020202020204" pitchFamily="34" charset="0"/>
-              </a:rPr>
-              <a:t>noise is a dataset containing 20 sets of 50 observations of x and y variables drawn at random from a standard normal distribution</a:t>
-            </a:r>
-            <a:endParaRPr lang="en-US" sz="1050">
-              <a:solidFill>
-                <a:srgbClr val="C00000"/>
-              </a:solidFill>
-              <a:latin typeface="Arial" panose="020B0604020202020204" pitchFamily="34" charset="0"/>
-              <a:cs typeface="Arial" panose="020B0604020202020204" pitchFamily="34" charset="0"/>
-            </a:endParaRPr>
-          </a:p>
-        </p:txBody>
-      </p:sp>
-      <p:sp>
-        <p:nvSpPr>
-          <p:cNvPr id="28" name="TextBox 27"/>
-          <p:cNvSpPr txBox="1"/>
-          <p:nvPr/>
-        </p:nvSpPr>
-        <p:spPr>
-          <a:xfrm>
-            <a:off x="1933934" y="6293134"/>
-            <a:ext cx="5696767" cy="415498"/>
-          </a:xfrm>
-          <a:prstGeom prst="rect">
-            <a:avLst/>
-          </a:prstGeom>
-          <a:noFill/>
-        </p:spPr>
-        <p:txBody>
-          <a:bodyPr wrap="square" rtlCol="0">
-            <a:spAutoFit/>
-          </a:bodyPr>
-          <a:lstStyle/>
-          <a:p>
-            <a:pPr algn="ctr"/>
-            <a:r>
-              <a:rPr lang="en-US" sz="1050" smtClean="0">
-                <a:solidFill>
-                  <a:srgbClr val="C00000"/>
-                </a:solidFill>
-                <a:latin typeface="Arial" panose="020B0604020202020204" pitchFamily="34" charset="0"/>
-                <a:cs typeface="Arial" panose="020B0604020202020204" pitchFamily="34" charset="0"/>
-              </a:rPr>
-              <a:t>you’ll always find non-trivial correlation, however, none of the 20 sets have observations with any causal link – this is a great demonstration of spurious correlation</a:t>
-            </a:r>
-            <a:endParaRPr lang="en-US" sz="1050">
-              <a:solidFill>
-                <a:srgbClr val="C00000"/>
-              </a:solidFill>
-              <a:latin typeface="Arial" panose="020B0604020202020204" pitchFamily="34" charset="0"/>
-              <a:cs typeface="Arial" panose="020B0604020202020204" pitchFamily="34" charset="0"/>
-            </a:endParaRPr>
-          </a:p>
-        </p:txBody>
-      </p:sp>
-      <p:cxnSp>
-        <p:nvCxnSpPr>
-          <p:cNvPr id="29" name="Straight Arrow Connector 28"/>
-          <p:cNvCxnSpPr/>
-          <p:nvPr/>
-        </p:nvCxnSpPr>
-        <p:spPr>
-          <a:xfrm flipH="1" flipV="1">
-            <a:off x="3445597" y="6051161"/>
-            <a:ext cx="86497" cy="241973"/>
-          </a:xfrm>
-          <a:prstGeom prst="straightConnector1">
-            <a:avLst/>
-          </a:prstGeom>
-          <a:ln w="9525" cap="flat" cmpd="sng" algn="ctr">
-            <a:solidFill>
-              <a:schemeClr val="accent1"/>
-            </a:solidFill>
-            <a:prstDash val="solid"/>
-            <a:round/>
-            <a:headEnd type="none" w="med" len="med"/>
-            <a:tailEnd type="arrow" w="med" len="med"/>
-          </a:ln>
-        </p:spPr>
-        <p:style>
-          <a:lnRef idx="0">
-            <a:scrgbClr r="0" g="0" b="0"/>
-          </a:lnRef>
-          <a:fillRef idx="0">
-            <a:scrgbClr r="0" g="0" b="0"/>
-          </a:fillRef>
-          <a:effectRef idx="0">
-            <a:scrgbClr r="0" g="0" b="0"/>
-          </a:effectRef>
-          <a:fontRef idx="minor">
-            <a:schemeClr val="tx1"/>
-          </a:fontRef>
-        </p:style>
-      </p:cxnSp>
-    </p:spTree>
-    <p:extLst>
-      <p:ext uri="{BB962C8B-B14F-4D97-AF65-F5344CB8AC3E}">
-        <p14:creationId xmlns:p14="http://schemas.microsoft.com/office/powerpoint/2010/main" val="1934939991"/>
-      </p:ext>
-    </p:extLst>
-  </p:cSld>
-  <p:clrMapOvr>
-    <a:masterClrMapping/>
-  </p:clrMapOvr>
-</p:sld>
-</file>
-
-<file path=ppt/slides/slide5.xml><?xml version="1.0" encoding="utf-8"?>
-<p:sld xmlns:a="http://schemas.openxmlformats.org/drawingml/2006/main" xmlns:r="http://schemas.openxmlformats.org/officeDocument/2006/relationships" xmlns:p="http://schemas.openxmlformats.org/presentationml/2006/main">
-  <p:cSld>
-    <p:bg>
-      <p:bgPr>
-        <a:solidFill>
-          <a:schemeClr val="bg1"/>
-        </a:solidFill>
-        <a:effectLst/>
-      </p:bgPr>
-    </p:bg>
-    <p:spTree>
-      <p:nvGrpSpPr>
-        <p:cNvPr id="1" name=""/>
-        <p:cNvGrpSpPr/>
-        <p:nvPr/>
-      </p:nvGrpSpPr>
-      <p:grpSpPr>
-        <a:xfrm>
-          <a:off x="0" y="0"/>
-          <a:ext cx="0" cy="0"/>
-          <a:chOff x="0" y="0"/>
-          <a:chExt cx="0" cy="0"/>
-        </a:xfrm>
-      </p:grpSpPr>
-      <p:sp>
-        <p:nvSpPr>
-          <p:cNvPr id="2" name="Title 1"/>
-          <p:cNvSpPr>
-            <a:spLocks noGrp="1"/>
-          </p:cNvSpPr>
-          <p:nvPr>
-            <p:ph type="title"/>
-          </p:nvPr>
-        </p:nvSpPr>
-        <p:spPr>
-          <a:xfrm>
-            <a:off x="1371600" y="685801"/>
-            <a:ext cx="9601200" cy="571500"/>
-          </a:xfrm>
-        </p:spPr>
-        <p:txBody>
-          <a:bodyPr>
-            <a:normAutofit fontScale="90000"/>
-          </a:bodyPr>
-          <a:lstStyle/>
-          <a:p>
-            <a:r>
-              <a:rPr lang="en-US" smtClean="0">
-                <a:latin typeface="Arial Rounded MT Bold" panose="020F0704030504030204" pitchFamily="34" charset="0"/>
-              </a:rPr>
-              <a:t>Simple Linear Regression</a:t>
-            </a:r>
-            <a:endParaRPr lang="en-US">
-              <a:latin typeface="Arial Rounded MT Bold" panose="020F0704030504030204" pitchFamily="34" charset="0"/>
-            </a:endParaRPr>
-          </a:p>
-        </p:txBody>
-      </p:sp>
-      <p:sp>
-        <p:nvSpPr>
-          <p:cNvPr id="3" name="TextBox 2"/>
-          <p:cNvSpPr txBox="1"/>
-          <p:nvPr/>
-        </p:nvSpPr>
-        <p:spPr>
-          <a:xfrm>
-            <a:off x="1371600" y="1380565"/>
-            <a:ext cx="9075271" cy="276999"/>
-          </a:xfrm>
-          <a:prstGeom prst="rect">
-            <a:avLst/>
-          </a:prstGeom>
-          <a:noFill/>
-        </p:spPr>
-        <p:txBody>
-          <a:bodyPr wrap="square" rtlCol="0">
-            <a:spAutoFit/>
-          </a:bodyPr>
-          <a:lstStyle/>
-          <a:p>
-            <a:r>
-              <a:rPr lang="en-US" sz="1200" smtClean="0"/>
-              <a:t>The “best-fit” line that cuts through the data in a way that minimizes the distance between the line and the data points.</a:t>
-            </a:r>
-            <a:endParaRPr lang="en-US" sz="1200"/>
-          </a:p>
-        </p:txBody>
-      </p:sp>
-      <p:grpSp>
-        <p:nvGrpSpPr>
-          <p:cNvPr id="8" name="Group 7"/>
-          <p:cNvGrpSpPr/>
-          <p:nvPr/>
-        </p:nvGrpSpPr>
-        <p:grpSpPr>
-          <a:xfrm>
-            <a:off x="1371600" y="2084800"/>
-            <a:ext cx="9746766" cy="369332"/>
-            <a:chOff x="1279822" y="3765833"/>
-            <a:chExt cx="9746766" cy="369332"/>
-          </a:xfrm>
-        </p:grpSpPr>
-        <p:cxnSp>
-          <p:nvCxnSpPr>
-            <p:cNvPr id="5" name="Straight Connector 4"/>
-            <p:cNvCxnSpPr>
-              <a:stCxn id="6" idx="3"/>
-            </p:cNvCxnSpPr>
-            <p:nvPr/>
-          </p:nvCxnSpPr>
-          <p:spPr>
-            <a:xfrm>
-              <a:off x="5239560" y="3950499"/>
-              <a:ext cx="5787028" cy="0"/>
-            </a:xfrm>
-            <a:prstGeom prst="line">
-              <a:avLst/>
-            </a:prstGeom>
-          </p:spPr>
-          <p:style>
-            <a:lnRef idx="1">
-              <a:schemeClr val="accent1"/>
-            </a:lnRef>
-            <a:fillRef idx="0">
-              <a:schemeClr val="accent1"/>
-            </a:fillRef>
-            <a:effectRef idx="0">
-              <a:schemeClr val="accent1"/>
-            </a:effectRef>
-            <a:fontRef idx="minor">
-              <a:schemeClr val="tx1"/>
-            </a:fontRef>
-          </p:style>
-        </p:cxnSp>
-        <p:sp>
-          <p:nvSpPr>
-            <p:cNvPr id="6" name="TextBox 5"/>
-            <p:cNvSpPr txBox="1"/>
-            <p:nvPr/>
-          </p:nvSpPr>
-          <p:spPr>
-            <a:xfrm>
-              <a:off x="1279822" y="3765833"/>
-              <a:ext cx="3959738" cy="369332"/>
-            </a:xfrm>
-            <a:prstGeom prst="rect">
-              <a:avLst/>
-            </a:prstGeom>
-            <a:noFill/>
-          </p:spPr>
-          <p:txBody>
-            <a:bodyPr wrap="none" rtlCol="0">
-              <a:spAutoFit/>
-            </a:bodyPr>
-            <a:lstStyle/>
-            <a:p>
-              <a:r>
-                <a:rPr lang="en-US" b="1">
-                  <a:solidFill>
-                    <a:srgbClr val="00B0F0"/>
-                  </a:solidFill>
-                </a:rPr>
-                <a:t>Applied R </a:t>
-              </a:r>
-              <a:r>
-                <a:rPr lang="en-US" b="1" smtClean="0">
-                  <a:solidFill>
-                    <a:srgbClr val="00B0F0"/>
-                  </a:solidFill>
-                </a:rPr>
-                <a:t>(Visualizing the Best-Fit Line)</a:t>
-              </a:r>
-              <a:endParaRPr lang="en-US" b="1">
-                <a:solidFill>
-                  <a:srgbClr val="00B0F0"/>
-                </a:solidFill>
-              </a:endParaRPr>
-            </a:p>
-          </p:txBody>
-        </p:sp>
-      </p:grpSp>
-      <p:sp>
-        <p:nvSpPr>
-          <p:cNvPr id="23" name="TextBox 22"/>
-          <p:cNvSpPr txBox="1"/>
-          <p:nvPr/>
-        </p:nvSpPr>
-        <p:spPr>
-          <a:xfrm>
-            <a:off x="1598280" y="2454132"/>
-            <a:ext cx="3647152" cy="600164"/>
+            <a:off x="6470940" y="5358551"/>
+            <a:ext cx="4647426" cy="600164"/>
           </a:xfrm>
           <a:prstGeom prst="rect">
             <a:avLst/>
@@ -5806,565 +5101,172 @@
           <a:lstStyle/>
           <a:p>
             <a:r>
-              <a:rPr lang="en-US" sz="1100" i="1" dirty="0" err="1">
-                <a:latin typeface="Consolas" panose="020B0609020204030204" pitchFamily="49" charset="0"/>
-              </a:rPr>
-              <a:t>ggplot</a:t>
-            </a:r>
-            <a:r>
-              <a:rPr lang="en-US" sz="1100" dirty="0">
-                <a:latin typeface="Consolas" panose="020B0609020204030204" pitchFamily="49" charset="0"/>
-              </a:rPr>
-              <a:t>(data </a:t>
-            </a:r>
-            <a:r>
-              <a:rPr lang="en-US" sz="1100">
-                <a:latin typeface="Consolas" panose="020B0609020204030204" pitchFamily="49" charset="0"/>
-              </a:rPr>
-              <a:t>= </a:t>
-            </a:r>
-            <a:r>
               <a:rPr lang="en-US" sz="1100" smtClean="0">
                 <a:latin typeface="Consolas" panose="020B0609020204030204" pitchFamily="49" charset="0"/>
               </a:rPr>
-              <a:t>bdims, </a:t>
-            </a:r>
-            <a:r>
-              <a:rPr lang="en-US" sz="1100" i="1" dirty="0" err="1">
-                <a:latin typeface="Consolas" panose="020B0609020204030204" pitchFamily="49" charset="0"/>
-              </a:rPr>
-              <a:t>aes</a:t>
-            </a:r>
-            <a:r>
-              <a:rPr lang="en-US" sz="1100" dirty="0">
-                <a:latin typeface="Consolas" panose="020B0609020204030204" pitchFamily="49" charset="0"/>
-              </a:rPr>
-              <a:t>(y </a:t>
-            </a:r>
-            <a:r>
-              <a:rPr lang="en-US" sz="1100">
-                <a:latin typeface="Consolas" panose="020B0609020204030204" pitchFamily="49" charset="0"/>
-              </a:rPr>
-              <a:t>= </a:t>
-            </a:r>
+              <a:t>diamonds_model &lt;- lm(price ~ ., diamonds_train)</a:t>
+            </a:r>
+            <a:endParaRPr lang="en-US" sz="1100" smtClean="0">
+              <a:latin typeface="Consolas" panose="020B0609020204030204" pitchFamily="49" charset="0"/>
+            </a:endParaRPr>
+          </a:p>
+          <a:p>
+            <a:endParaRPr lang="en-US" sz="1100">
+              <a:latin typeface="Consolas" panose="020B0609020204030204" pitchFamily="49" charset="0"/>
+            </a:endParaRPr>
+          </a:p>
+          <a:p>
             <a:r>
               <a:rPr lang="en-US" sz="1100" smtClean="0">
                 <a:latin typeface="Consolas" panose="020B0609020204030204" pitchFamily="49" charset="0"/>
               </a:rPr>
-              <a:t>wgt, </a:t>
-            </a:r>
-            <a:r>
-              <a:rPr lang="en-US" sz="1100" dirty="0">
-                <a:latin typeface="Consolas" panose="020B0609020204030204" pitchFamily="49" charset="0"/>
-              </a:rPr>
-              <a:t>x </a:t>
-            </a:r>
-            <a:r>
-              <a:rPr lang="en-US" sz="1100">
-                <a:latin typeface="Consolas" panose="020B0609020204030204" pitchFamily="49" charset="0"/>
-              </a:rPr>
-              <a:t>= </a:t>
-            </a:r>
+              <a:t>diamonds_predict &lt;- predict(diamonds_model, diamonds_test)</a:t>
+            </a:r>
+            <a:endParaRPr lang="en-US" sz="1100" smtClean="0">
+              <a:latin typeface="Consolas" panose="020B0609020204030204" pitchFamily="49" charset="0"/>
+            </a:endParaRPr>
+          </a:p>
+        </p:txBody>
+      </p:sp>
+      <p:sp>
+        <p:nvSpPr>
+          <p:cNvPr id="14" name="Down Arrow 13"/>
+          <p:cNvSpPr/>
+          <p:nvPr/>
+        </p:nvSpPr>
+        <p:spPr>
+          <a:xfrm rot="16200000">
+            <a:off x="6166875" y="5533931"/>
+            <a:ext cx="197411" cy="249403"/>
+          </a:xfrm>
+          <a:prstGeom prst="downArrow">
+            <a:avLst/>
+          </a:prstGeom>
+        </p:spPr>
+        <p:style>
+          <a:lnRef idx="2">
+            <a:schemeClr val="accent1">
+              <a:shade val="50000"/>
+            </a:schemeClr>
+          </a:lnRef>
+          <a:fillRef idx="1">
+            <a:schemeClr val="accent1"/>
+          </a:fillRef>
+          <a:effectRef idx="0">
+            <a:schemeClr val="accent1"/>
+          </a:effectRef>
+          <a:fontRef idx="minor">
+            <a:schemeClr val="lt1"/>
+          </a:fontRef>
+        </p:style>
+        <p:txBody>
+          <a:bodyPr rtlCol="0" anchor="ctr"/>
+          <a:lstStyle/>
+          <a:p>
+            <a:pPr algn="ctr"/>
+            <a:endParaRPr lang="en-US"/>
+          </a:p>
+        </p:txBody>
+      </p:sp>
+      <p:sp>
+        <p:nvSpPr>
+          <p:cNvPr id="15" name="TextBox 14"/>
+          <p:cNvSpPr txBox="1"/>
+          <p:nvPr/>
+        </p:nvSpPr>
+        <p:spPr>
+          <a:xfrm>
+            <a:off x="6244983" y="3812023"/>
+            <a:ext cx="4878259" cy="600164"/>
+          </a:xfrm>
+          <a:prstGeom prst="rect">
+            <a:avLst/>
+          </a:prstGeom>
+          <a:solidFill>
+            <a:schemeClr val="accent2">
+              <a:lumMod val="20000"/>
+              <a:lumOff val="80000"/>
+            </a:schemeClr>
+          </a:solidFill>
+        </p:spPr>
+        <p:txBody>
+          <a:bodyPr wrap="none" rtlCol="0">
+            <a:spAutoFit/>
+          </a:bodyPr>
+          <a:lstStyle/>
+          <a:p>
             <a:r>
               <a:rPr lang="en-US" sz="1100" smtClean="0">
                 <a:latin typeface="Consolas" panose="020B0609020204030204" pitchFamily="49" charset="0"/>
               </a:rPr>
-              <a:t>hgt)) </a:t>
-            </a:r>
-            <a:r>
-              <a:rPr lang="en-US" sz="1100" dirty="0">
-                <a:latin typeface="Consolas" panose="020B0609020204030204" pitchFamily="49" charset="0"/>
-              </a:rPr>
-              <a:t>+</a:t>
-            </a:r>
-          </a:p>
-          <a:p>
-            <a:r>
-              <a:rPr lang="en-US" sz="1100" i="1" dirty="0">
-                <a:latin typeface="Consolas" panose="020B0609020204030204" pitchFamily="49" charset="0"/>
-              </a:rPr>
-              <a:t>	</a:t>
-            </a:r>
-            <a:r>
-              <a:rPr lang="en-US" sz="1100" i="1" dirty="0" err="1">
-                <a:latin typeface="Consolas" panose="020B0609020204030204" pitchFamily="49" charset="0"/>
-              </a:rPr>
-              <a:t>geom_point</a:t>
-            </a:r>
-            <a:r>
-              <a:rPr lang="en-US" sz="1100" dirty="0">
-                <a:latin typeface="Consolas" panose="020B0609020204030204" pitchFamily="49" charset="0"/>
-              </a:rPr>
-              <a:t>()</a:t>
-            </a:r>
-            <a:r>
-              <a:rPr lang="en-US" sz="1100" i="1" dirty="0">
-                <a:latin typeface="Consolas" panose="020B0609020204030204" pitchFamily="49" charset="0"/>
-              </a:rPr>
-              <a:t> </a:t>
-            </a:r>
-            <a:r>
-              <a:rPr lang="en-US" sz="1100" dirty="0">
-                <a:latin typeface="Consolas" panose="020B0609020204030204" pitchFamily="49" charset="0"/>
-              </a:rPr>
-              <a:t>+</a:t>
-            </a:r>
-          </a:p>
-          <a:p>
-            <a:r>
-              <a:rPr lang="en-US" sz="1100" i="1">
-                <a:latin typeface="Consolas" panose="020B0609020204030204" pitchFamily="49" charset="0"/>
-                <a:sym typeface="Wingdings" panose="05000000000000000000" pitchFamily="2" charset="2"/>
-              </a:rPr>
-              <a:t>	</a:t>
-            </a:r>
-            <a:r>
-              <a:rPr lang="en-US" sz="1100" i="1" smtClean="0">
-                <a:latin typeface="Consolas" panose="020B0609020204030204" pitchFamily="49" charset="0"/>
-                <a:sym typeface="Wingdings" panose="05000000000000000000" pitchFamily="2" charset="2"/>
-              </a:rPr>
-              <a:t>geom_smooth</a:t>
-            </a:r>
-            <a:r>
-              <a:rPr lang="en-US" sz="1100" smtClean="0">
-                <a:latin typeface="Consolas" panose="020B0609020204030204" pitchFamily="49" charset="0"/>
-                <a:sym typeface="Wingdings" panose="05000000000000000000" pitchFamily="2" charset="2"/>
-              </a:rPr>
-              <a:t>(method = “lm”, se = FALSE)</a:t>
+              <a:t>out_of_sample_error &lt;- diamonds_predict – diamonds_test$price</a:t>
             </a:r>
             <a:endParaRPr lang="en-US" sz="1100" smtClean="0">
               <a:latin typeface="Consolas" panose="020B0609020204030204" pitchFamily="49" charset="0"/>
             </a:endParaRPr>
           </a:p>
+          <a:p>
+            <a:endParaRPr lang="en-US" sz="1100">
+              <a:latin typeface="Consolas" panose="020B0609020204030204" pitchFamily="49" charset="0"/>
+            </a:endParaRPr>
+          </a:p>
+          <a:p>
+            <a:r>
+              <a:rPr lang="en-US" sz="1100" smtClean="0">
+                <a:latin typeface="Consolas" panose="020B0609020204030204" pitchFamily="49" charset="0"/>
+              </a:rPr>
+              <a:t>out_of_sample_rmse &lt;- sqrt(mean(out_of_sample_error ^ 2))</a:t>
+            </a:r>
+            <a:endParaRPr lang="en-US" sz="1100" smtClean="0">
+              <a:latin typeface="Consolas" panose="020B0609020204030204" pitchFamily="49" charset="0"/>
+            </a:endParaRPr>
+          </a:p>
+        </p:txBody>
+      </p:sp>
+      <p:sp>
+        <p:nvSpPr>
+          <p:cNvPr id="16" name="Down Arrow 15"/>
+          <p:cNvSpPr/>
+          <p:nvPr/>
+        </p:nvSpPr>
+        <p:spPr>
+          <a:xfrm rot="10800000">
+            <a:off x="8700150" y="4813148"/>
+            <a:ext cx="197411" cy="249403"/>
+          </a:xfrm>
+          <a:prstGeom prst="downArrow">
+            <a:avLst/>
+          </a:prstGeom>
+        </p:spPr>
+        <p:style>
+          <a:lnRef idx="2">
+            <a:schemeClr val="accent1">
+              <a:shade val="50000"/>
+            </a:schemeClr>
+          </a:lnRef>
+          <a:fillRef idx="1">
+            <a:schemeClr val="accent1"/>
+          </a:fillRef>
+          <a:effectRef idx="0">
+            <a:schemeClr val="accent1"/>
+          </a:effectRef>
+          <a:fontRef idx="minor">
+            <a:schemeClr val="lt1"/>
+          </a:fontRef>
+        </p:style>
+        <p:txBody>
+          <a:bodyPr rtlCol="0" anchor="ctr"/>
+          <a:lstStyle/>
+          <a:p>
+            <a:pPr algn="ctr"/>
+            <a:endParaRPr lang="en-US"/>
+          </a:p>
         </p:txBody>
       </p:sp>
     </p:spTree>
     <p:extLst>
       <p:ext uri="{BB962C8B-B14F-4D97-AF65-F5344CB8AC3E}">
-        <p14:creationId xmlns:p14="http://schemas.microsoft.com/office/powerpoint/2010/main" val="344579914"/>
-      </p:ext>
-    </p:extLst>
-  </p:cSld>
-  <p:clrMapOvr>
-    <a:masterClrMapping/>
-  </p:clrMapOvr>
-</p:sld>
-</file>
-
-<file path=ppt/slides/slide6.xml><?xml version="1.0" encoding="utf-8"?>
-<p:sld xmlns:a="http://schemas.openxmlformats.org/drawingml/2006/main" xmlns:r="http://schemas.openxmlformats.org/officeDocument/2006/relationships" xmlns:p="http://schemas.openxmlformats.org/presentationml/2006/main">
-  <p:cSld>
-    <p:bg>
-      <p:bgPr>
-        <a:solidFill>
-          <a:schemeClr val="bg1"/>
-        </a:solidFill>
-        <a:effectLst/>
-      </p:bgPr>
-    </p:bg>
-    <p:spTree>
-      <p:nvGrpSpPr>
-        <p:cNvPr id="1" name=""/>
-        <p:cNvGrpSpPr/>
-        <p:nvPr/>
-      </p:nvGrpSpPr>
-      <p:grpSpPr>
-        <a:xfrm>
-          <a:off x="0" y="0"/>
-          <a:ext cx="0" cy="0"/>
-          <a:chOff x="0" y="0"/>
-          <a:chExt cx="0" cy="0"/>
-        </a:xfrm>
-      </p:grpSpPr>
-      <p:sp>
-        <p:nvSpPr>
-          <p:cNvPr id="2" name="Title 1"/>
-          <p:cNvSpPr>
-            <a:spLocks noGrp="1"/>
-          </p:cNvSpPr>
-          <p:nvPr>
-            <p:ph type="title"/>
-          </p:nvPr>
-        </p:nvSpPr>
-        <p:spPr>
-          <a:xfrm>
-            <a:off x="1371600" y="685801"/>
-            <a:ext cx="9601200" cy="571500"/>
-          </a:xfrm>
-        </p:spPr>
-        <p:txBody>
-          <a:bodyPr>
-            <a:normAutofit fontScale="90000"/>
-          </a:bodyPr>
-          <a:lstStyle/>
-          <a:p>
-            <a:r>
-              <a:rPr lang="en-US">
-                <a:latin typeface="Arial Rounded MT Bold" panose="020F0704030504030204" pitchFamily="34" charset="0"/>
-              </a:rPr>
-              <a:t>Regression</a:t>
-            </a:r>
-          </a:p>
-        </p:txBody>
-      </p:sp>
-      <p:sp>
-        <p:nvSpPr>
-          <p:cNvPr id="3" name="TextBox 2"/>
-          <p:cNvSpPr txBox="1"/>
-          <p:nvPr/>
-        </p:nvSpPr>
-        <p:spPr>
-          <a:xfrm>
-            <a:off x="1371600" y="1380565"/>
-            <a:ext cx="9075271" cy="646331"/>
-          </a:xfrm>
-          <a:prstGeom prst="rect">
-            <a:avLst/>
-          </a:prstGeom>
-          <a:noFill/>
-        </p:spPr>
-        <p:txBody>
-          <a:bodyPr wrap="square" rtlCol="0">
-            <a:spAutoFit/>
-          </a:bodyPr>
-          <a:lstStyle/>
-          <a:p>
-            <a:r>
-              <a:rPr lang="en-US" sz="1200"/>
-              <a:t>Regression MLP attempt to estimate a </a:t>
-            </a:r>
-            <a:r>
-              <a:rPr lang="en-US" sz="1200" b="1"/>
-              <a:t>Response</a:t>
-            </a:r>
-            <a:r>
-              <a:rPr lang="en-US" sz="1200"/>
-              <a:t> value after a set of </a:t>
-            </a:r>
-            <a:r>
-              <a:rPr lang="en-US" sz="1200" b="1"/>
-              <a:t>Predictors</a:t>
-            </a:r>
-            <a:r>
-              <a:rPr lang="en-US" sz="1200"/>
-              <a:t> are pushed through a </a:t>
-            </a:r>
-            <a:r>
-              <a:rPr lang="en-US" sz="1200" b="1"/>
-              <a:t>Regression Function</a:t>
-            </a:r>
-            <a:r>
-              <a:rPr lang="en-US" sz="1200"/>
-              <a:t>.</a:t>
-            </a:r>
-          </a:p>
-          <a:p>
-            <a:endParaRPr lang="en-US" sz="1200"/>
-          </a:p>
-          <a:p>
-            <a:r>
-              <a:rPr lang="en-US" sz="1200"/>
-              <a:t>In linear regression, the regression function is estimated by two paramaters </a:t>
-            </a:r>
-            <a:r>
-              <a:rPr lang="en-US" sz="1200">
-                <a:latin typeface="Symbol" panose="05050102010706020507" pitchFamily="18" charset="2"/>
-              </a:rPr>
-              <a:t>b</a:t>
-            </a:r>
-            <a:r>
-              <a:rPr lang="en-US" sz="1200" baseline="-25000"/>
-              <a:t>0</a:t>
-            </a:r>
-            <a:r>
-              <a:rPr lang="en-US" sz="1200"/>
-              <a:t> and </a:t>
-            </a:r>
-            <a:r>
-              <a:rPr lang="en-US" sz="1200">
-                <a:latin typeface="Symbol" panose="05050102010706020507" pitchFamily="18" charset="2"/>
-              </a:rPr>
-              <a:t>b</a:t>
-            </a:r>
-            <a:r>
-              <a:rPr lang="en-US" sz="1200" baseline="-25000"/>
-              <a:t>1</a:t>
-            </a:r>
-            <a:endParaRPr lang="en-US" sz="1200"/>
-          </a:p>
-        </p:txBody>
-      </p:sp>
-      <p:grpSp>
-        <p:nvGrpSpPr>
-          <p:cNvPr id="8" name="Group 7"/>
-          <p:cNvGrpSpPr/>
-          <p:nvPr/>
-        </p:nvGrpSpPr>
-        <p:grpSpPr>
-          <a:xfrm>
-            <a:off x="1371600" y="2905234"/>
-            <a:ext cx="9746766" cy="369332"/>
-            <a:chOff x="1279822" y="3765833"/>
-            <a:chExt cx="9746766" cy="369332"/>
-          </a:xfrm>
-        </p:grpSpPr>
-        <p:cxnSp>
-          <p:nvCxnSpPr>
-            <p:cNvPr id="5" name="Straight Connector 4"/>
-            <p:cNvCxnSpPr>
-              <a:stCxn id="6" idx="3"/>
-            </p:cNvCxnSpPr>
-            <p:nvPr/>
-          </p:nvCxnSpPr>
-          <p:spPr>
-            <a:xfrm>
-              <a:off x="4596243" y="3950499"/>
-              <a:ext cx="6430345" cy="0"/>
-            </a:xfrm>
-            <a:prstGeom prst="line">
-              <a:avLst/>
-            </a:prstGeom>
-          </p:spPr>
-          <p:style>
-            <a:lnRef idx="1">
-              <a:schemeClr val="accent1"/>
-            </a:lnRef>
-            <a:fillRef idx="0">
-              <a:schemeClr val="accent1"/>
-            </a:fillRef>
-            <a:effectRef idx="0">
-              <a:schemeClr val="accent1"/>
-            </a:effectRef>
-            <a:fontRef idx="minor">
-              <a:schemeClr val="tx1"/>
-            </a:fontRef>
-          </p:style>
-        </p:cxnSp>
-        <p:sp>
-          <p:nvSpPr>
-            <p:cNvPr id="6" name="TextBox 5"/>
-            <p:cNvSpPr txBox="1"/>
-            <p:nvPr/>
-          </p:nvSpPr>
-          <p:spPr>
-            <a:xfrm>
-              <a:off x="1279822" y="3765833"/>
-              <a:ext cx="3316421" cy="369332"/>
-            </a:xfrm>
-            <a:prstGeom prst="rect">
-              <a:avLst/>
-            </a:prstGeom>
-            <a:noFill/>
-          </p:spPr>
-          <p:txBody>
-            <a:bodyPr wrap="none" rtlCol="0">
-              <a:spAutoFit/>
-            </a:bodyPr>
-            <a:lstStyle/>
-            <a:p>
-              <a:r>
-                <a:rPr lang="en-US" b="1">
-                  <a:solidFill>
-                    <a:srgbClr val="00B0F0"/>
-                  </a:solidFill>
-                </a:rPr>
-                <a:t>Applied R (Studying Information)</a:t>
-              </a:r>
-            </a:p>
-          </p:txBody>
-        </p:sp>
-      </p:grpSp>
-    </p:spTree>
-    <p:extLst>
-      <p:ext uri="{BB962C8B-B14F-4D97-AF65-F5344CB8AC3E}">
-        <p14:creationId xmlns:p14="http://schemas.microsoft.com/office/powerpoint/2010/main" val="3481709720"/>
-      </p:ext>
-    </p:extLst>
-  </p:cSld>
-  <p:clrMapOvr>
-    <a:masterClrMapping/>
-  </p:clrMapOvr>
-</p:sld>
-</file>
-
-<file path=ppt/slides/slide7.xml><?xml version="1.0" encoding="utf-8"?>
-<p:sld xmlns:a="http://schemas.openxmlformats.org/drawingml/2006/main" xmlns:r="http://schemas.openxmlformats.org/officeDocument/2006/relationships" xmlns:p="http://schemas.openxmlformats.org/presentationml/2006/main">
-  <p:cSld>
-    <p:bg>
-      <p:bgPr>
-        <a:solidFill>
-          <a:schemeClr val="bg1"/>
-        </a:solidFill>
-        <a:effectLst/>
-      </p:bgPr>
-    </p:bg>
-    <p:spTree>
-      <p:nvGrpSpPr>
-        <p:cNvPr id="1" name=""/>
-        <p:cNvGrpSpPr/>
-        <p:nvPr/>
-      </p:nvGrpSpPr>
-      <p:grpSpPr>
-        <a:xfrm>
-          <a:off x="0" y="0"/>
-          <a:ext cx="0" cy="0"/>
-          <a:chOff x="0" y="0"/>
-          <a:chExt cx="0" cy="0"/>
-        </a:xfrm>
-      </p:grpSpPr>
-      <p:sp>
-        <p:nvSpPr>
-          <p:cNvPr id="2" name="Title 1"/>
-          <p:cNvSpPr>
-            <a:spLocks noGrp="1"/>
-          </p:cNvSpPr>
-          <p:nvPr>
-            <p:ph type="title"/>
-          </p:nvPr>
-        </p:nvSpPr>
-        <p:spPr>
-          <a:xfrm>
-            <a:off x="1371600" y="685801"/>
-            <a:ext cx="9601200" cy="571500"/>
-          </a:xfrm>
-        </p:spPr>
-        <p:txBody>
-          <a:bodyPr>
-            <a:normAutofit fontScale="90000"/>
-          </a:bodyPr>
-          <a:lstStyle/>
-          <a:p>
-            <a:r>
-              <a:rPr lang="en-US">
-                <a:latin typeface="Arial Rounded MT Bold" panose="020F0704030504030204" pitchFamily="34" charset="0"/>
-              </a:rPr>
-              <a:t>Clustering</a:t>
-            </a:r>
-          </a:p>
-        </p:txBody>
-      </p:sp>
-      <p:sp>
-        <p:nvSpPr>
-          <p:cNvPr id="3" name="TextBox 2"/>
-          <p:cNvSpPr txBox="1"/>
-          <p:nvPr/>
-        </p:nvSpPr>
-        <p:spPr>
-          <a:xfrm>
-            <a:off x="1371600" y="1380565"/>
-            <a:ext cx="9481671" cy="646331"/>
-          </a:xfrm>
-          <a:prstGeom prst="rect">
-            <a:avLst/>
-          </a:prstGeom>
-          <a:noFill/>
-        </p:spPr>
-        <p:txBody>
-          <a:bodyPr wrap="square" rtlCol="0">
-            <a:spAutoFit/>
-          </a:bodyPr>
-          <a:lstStyle/>
-          <a:p>
-            <a:r>
-              <a:rPr lang="en-US" sz="1200"/>
-              <a:t>Clustering MLP attempt to group similar objects in clusters while ensuring that each cluster is dissimilar from every other cluster.</a:t>
-            </a:r>
-          </a:p>
-          <a:p>
-            <a:endParaRPr lang="en-US" sz="1200"/>
-          </a:p>
-          <a:p>
-            <a:r>
-              <a:rPr lang="en-US" sz="1200"/>
-              <a:t>Clustering is similar to classification MLP however the important distinction is that in clustering, the classes, or clusters, are not predefined.</a:t>
-            </a:r>
-          </a:p>
-        </p:txBody>
-      </p:sp>
-      <p:grpSp>
-        <p:nvGrpSpPr>
-          <p:cNvPr id="8" name="Group 7"/>
-          <p:cNvGrpSpPr/>
-          <p:nvPr/>
-        </p:nvGrpSpPr>
-        <p:grpSpPr>
-          <a:xfrm>
-            <a:off x="1371600" y="2905234"/>
-            <a:ext cx="9746766" cy="369332"/>
-            <a:chOff x="1279822" y="3765833"/>
-            <a:chExt cx="9746766" cy="369332"/>
-          </a:xfrm>
-        </p:grpSpPr>
-        <p:cxnSp>
-          <p:nvCxnSpPr>
-            <p:cNvPr id="5" name="Straight Connector 4"/>
-            <p:cNvCxnSpPr>
-              <a:stCxn id="6" idx="3"/>
-            </p:cNvCxnSpPr>
-            <p:nvPr/>
-          </p:nvCxnSpPr>
-          <p:spPr>
-            <a:xfrm>
-              <a:off x="4596243" y="3950499"/>
-              <a:ext cx="6430345" cy="0"/>
-            </a:xfrm>
-            <a:prstGeom prst="line">
-              <a:avLst/>
-            </a:prstGeom>
-          </p:spPr>
-          <p:style>
-            <a:lnRef idx="1">
-              <a:schemeClr val="accent1"/>
-            </a:lnRef>
-            <a:fillRef idx="0">
-              <a:schemeClr val="accent1"/>
-            </a:fillRef>
-            <a:effectRef idx="0">
-              <a:schemeClr val="accent1"/>
-            </a:effectRef>
-            <a:fontRef idx="minor">
-              <a:schemeClr val="tx1"/>
-            </a:fontRef>
-          </p:style>
-        </p:cxnSp>
-        <p:sp>
-          <p:nvSpPr>
-            <p:cNvPr id="6" name="TextBox 5"/>
-            <p:cNvSpPr txBox="1"/>
-            <p:nvPr/>
-          </p:nvSpPr>
-          <p:spPr>
-            <a:xfrm>
-              <a:off x="1279822" y="3765833"/>
-              <a:ext cx="3316421" cy="369332"/>
-            </a:xfrm>
-            <a:prstGeom prst="rect">
-              <a:avLst/>
-            </a:prstGeom>
-            <a:noFill/>
-          </p:spPr>
-          <p:txBody>
-            <a:bodyPr wrap="none" rtlCol="0">
-              <a:spAutoFit/>
-            </a:bodyPr>
-            <a:lstStyle/>
-            <a:p>
-              <a:r>
-                <a:rPr lang="en-US" b="1">
-                  <a:solidFill>
-                    <a:srgbClr val="00B0F0"/>
-                  </a:solidFill>
-                </a:rPr>
-                <a:t>Applied R (Studying Information)</a:t>
-              </a:r>
-            </a:p>
-          </p:txBody>
-        </p:sp>
-      </p:grpSp>
-    </p:spTree>
-    <p:extLst>
-      <p:ext uri="{BB962C8B-B14F-4D97-AF65-F5344CB8AC3E}">
-        <p14:creationId xmlns:p14="http://schemas.microsoft.com/office/powerpoint/2010/main" val="931257476"/>
+        <p14:creationId xmlns:p14="http://schemas.microsoft.com/office/powerpoint/2010/main" val="1886858118"/>
       </p:ext>
     </p:extLst>
   </p:cSld>

--- a/Machine-Learning-Toolbox/Machine Learning Toolbox.pptx
+++ b/Machine-Learning-Toolbox/Machine Learning Toolbox.pptx
@@ -8,7 +8,7 @@
     <p:sldId id="256" r:id="rId2"/>
     <p:sldId id="257" r:id="rId3"/>
     <p:sldId id="259" r:id="rId4"/>
-    <p:sldId id="260" r:id="rId5"/>
+    <p:sldId id="262" r:id="rId5"/>
   </p:sldIdLst>
   <p:sldSz cx="12192000" cy="6858000"/>
   <p:notesSz cx="7010400" cy="9296400"/>
@@ -296,7 +296,7 @@
             <a:fld id="{B61BEF0D-F0BB-DE4B-95CE-6DB70DBA9567}" type="datetimeFigureOut">
               <a:rPr lang="en-US" smtClean="0"/>
               <a:pPr/>
-              <a:t>4/17/2019</a:t>
+              <a:t>5/2/2019</a:t>
             </a:fld>
             <a:endParaRPr lang="en-US" dirty="0"/>
           </a:p>
@@ -628,7 +628,7 @@
             <a:fld id="{B61BEF0D-F0BB-DE4B-95CE-6DB70DBA9567}" type="datetimeFigureOut">
               <a:rPr lang="en-US" smtClean="0"/>
               <a:pPr/>
-              <a:t>4/17/2019</a:t>
+              <a:t>5/2/2019</a:t>
             </a:fld>
             <a:endParaRPr lang="en-US" dirty="0"/>
           </a:p>
@@ -810,7 +810,7 @@
             <a:fld id="{B61BEF0D-F0BB-DE4B-95CE-6DB70DBA9567}" type="datetimeFigureOut">
               <a:rPr lang="en-US" smtClean="0"/>
               <a:pPr/>
-              <a:t>4/17/2019</a:t>
+              <a:t>5/2/2019</a:t>
             </a:fld>
             <a:endParaRPr lang="en-US" dirty="0"/>
           </a:p>
@@ -982,7 +982,7 @@
             <a:fld id="{B61BEF0D-F0BB-DE4B-95CE-6DB70DBA9567}" type="datetimeFigureOut">
               <a:rPr lang="en-US" smtClean="0"/>
               <a:pPr/>
-              <a:t>4/17/2019</a:t>
+              <a:t>5/2/2019</a:t>
             </a:fld>
             <a:endParaRPr lang="en-US" dirty="0"/>
           </a:p>
@@ -1261,7 +1261,7 @@
             <a:fld id="{B61BEF0D-F0BB-DE4B-95CE-6DB70DBA9567}" type="datetimeFigureOut">
               <a:rPr lang="en-US" smtClean="0"/>
               <a:pPr/>
-              <a:t>4/17/2019</a:t>
+              <a:t>5/2/2019</a:t>
             </a:fld>
             <a:endParaRPr lang="en-US" dirty="0"/>
           </a:p>
@@ -1657,7 +1657,7 @@
             <a:fld id="{B61BEF0D-F0BB-DE4B-95CE-6DB70DBA9567}" type="datetimeFigureOut">
               <a:rPr lang="en-US" smtClean="0"/>
               <a:pPr/>
-              <a:t>4/17/2019</a:t>
+              <a:t>5/2/2019</a:t>
             </a:fld>
             <a:endParaRPr lang="en-US" dirty="0"/>
           </a:p>
@@ -2136,7 +2136,7 @@
             <a:fld id="{B61BEF0D-F0BB-DE4B-95CE-6DB70DBA9567}" type="datetimeFigureOut">
               <a:rPr lang="en-US" smtClean="0"/>
               <a:pPr/>
-              <a:t>4/17/2019</a:t>
+              <a:t>5/2/2019</a:t>
             </a:fld>
             <a:endParaRPr lang="en-US" dirty="0"/>
           </a:p>
@@ -2256,7 +2256,7 @@
             <a:fld id="{B61BEF0D-F0BB-DE4B-95CE-6DB70DBA9567}" type="datetimeFigureOut">
               <a:rPr lang="en-US" smtClean="0"/>
               <a:pPr/>
-              <a:t>4/17/2019</a:t>
+              <a:t>5/2/2019</a:t>
             </a:fld>
             <a:endParaRPr lang="en-US" dirty="0"/>
           </a:p>
@@ -2353,7 +2353,7 @@
             <a:fld id="{B61BEF0D-F0BB-DE4B-95CE-6DB70DBA9567}" type="datetimeFigureOut">
               <a:rPr lang="en-US" smtClean="0"/>
               <a:pPr/>
-              <a:t>4/17/2019</a:t>
+              <a:t>5/2/2019</a:t>
             </a:fld>
             <a:endParaRPr lang="en-US" dirty="0"/>
           </a:p>
@@ -2701,7 +2701,7 @@
             <a:fld id="{B61BEF0D-F0BB-DE4B-95CE-6DB70DBA9567}" type="datetimeFigureOut">
               <a:rPr lang="en-US" smtClean="0"/>
               <a:pPr/>
-              <a:t>4/17/2019</a:t>
+              <a:t>5/2/2019</a:t>
             </a:fld>
             <a:endParaRPr lang="en-US" dirty="0"/>
           </a:p>
@@ -3091,7 +3091,7 @@
             <a:fld id="{B61BEF0D-F0BB-DE4B-95CE-6DB70DBA9567}" type="datetimeFigureOut">
               <a:rPr lang="en-US" smtClean="0"/>
               <a:pPr/>
-              <a:t>4/17/2019</a:t>
+              <a:t>5/2/2019</a:t>
             </a:fld>
             <a:endParaRPr lang="en-US" dirty="0"/>
           </a:p>
@@ -3371,7 +3371,7 @@
             <a:fld id="{B61BEF0D-F0BB-DE4B-95CE-6DB70DBA9567}" type="datetimeFigureOut">
               <a:rPr lang="en-US" smtClean="0"/>
               <a:pPr/>
-              <a:t>4/17/2019</a:t>
+              <a:t>5/2/2019</a:t>
             </a:fld>
             <a:endParaRPr lang="en-US" dirty="0"/>
           </a:p>
@@ -3995,7 +3995,7 @@
         </p:nvSpPr>
         <p:spPr>
           <a:xfrm>
-            <a:off x="1371600" y="685801"/>
+            <a:off x="1371600" y="365760"/>
             <a:ext cx="9601200" cy="571500"/>
           </a:xfrm>
         </p:spPr>
@@ -4026,8 +4026,8 @@
         </p:nvSpPr>
         <p:spPr>
           <a:xfrm>
-            <a:off x="1371600" y="1419225"/>
-            <a:ext cx="9601200" cy="4448175"/>
+            <a:off x="1371600" y="1371600"/>
+            <a:ext cx="9601200" cy="2345951"/>
           </a:xfrm>
         </p:spPr>
         <p:txBody>
@@ -4162,7 +4162,7 @@
         </p:nvSpPr>
         <p:spPr>
           <a:xfrm>
-            <a:off x="1371600" y="685801"/>
+            <a:off x="1371600" y="365760"/>
             <a:ext cx="9601200" cy="571500"/>
           </a:xfrm>
         </p:spPr>
@@ -4176,13 +4176,7 @@
               <a:rPr lang="en-US" smtClean="0">
                 <a:latin typeface="Arial Rounded MT Bold" panose="020F0704030504030204" pitchFamily="34" charset="0"/>
               </a:rPr>
-              <a:t>Supervised </a:t>
-            </a:r>
-            <a:r>
-              <a:rPr lang="en-US" smtClean="0">
-                <a:latin typeface="Arial Rounded MT Bold" panose="020F0704030504030204" pitchFamily="34" charset="0"/>
-              </a:rPr>
-              <a:t>Learning Overview</a:t>
+              <a:t>Supervised Learning Overview</a:t>
             </a:r>
             <a:endParaRPr lang="en-US" dirty="0">
               <a:latin typeface="Arial Rounded MT Bold" panose="020F0704030504030204" pitchFamily="34" charset="0"/>
@@ -4198,8 +4192,8 @@
         </p:nvSpPr>
         <p:spPr>
           <a:xfrm>
-            <a:off x="1371600" y="1380565"/>
-            <a:ext cx="9746766" cy="2754600"/>
+            <a:off x="1371599" y="1097280"/>
+            <a:ext cx="10246659" cy="1354217"/>
           </a:xfrm>
           <a:prstGeom prst="rect">
             <a:avLst/>
@@ -4213,19 +4207,30 @@
           <a:lstStyle/>
           <a:p>
             <a:r>
-              <a:rPr lang="en-US" sz="1200" smtClean="0"/>
-              <a:t>Supervised learning (predictive modeling) is machine learning in situations where you have a target variable.</a:t>
-            </a:r>
-          </a:p>
-          <a:p>
-            <a:endParaRPr lang="en-US" sz="1200"/>
-          </a:p>
-          <a:p>
-            <a:r>
-              <a:rPr lang="en-US" sz="1200" smtClean="0"/>
-              <a:t>There are two major types of predictive models:</a:t>
-            </a:r>
-            <a:endParaRPr lang="en-US" sz="1200" dirty="0"/>
+              <a:rPr lang="en-US" sz="1100" smtClean="0">
+                <a:latin typeface="Calibri" panose="020F0502020204030204" pitchFamily="34" charset="0"/>
+                <a:cs typeface="Calibri" panose="020F0502020204030204" pitchFamily="34" charset="0"/>
+              </a:rPr>
+              <a:t>Supervised learning (predictive modeling) is machine learning in situations where you have a target </a:t>
+            </a:r>
+            <a:r>
+              <a:rPr lang="en-US" sz="1100" smtClean="0">
+                <a:latin typeface="Calibri" panose="020F0502020204030204" pitchFamily="34" charset="0"/>
+                <a:cs typeface="Calibri" panose="020F0502020204030204" pitchFamily="34" charset="0"/>
+              </a:rPr>
+              <a:t>variable. There </a:t>
+            </a:r>
+            <a:r>
+              <a:rPr lang="en-US" sz="1100" smtClean="0">
+                <a:latin typeface="Calibri" panose="020F0502020204030204" pitchFamily="34" charset="0"/>
+                <a:cs typeface="Calibri" panose="020F0502020204030204" pitchFamily="34" charset="0"/>
+              </a:rPr>
+              <a:t>are two major types of predictive models:</a:t>
+            </a:r>
+            <a:endParaRPr lang="en-US" sz="1100" dirty="0">
+              <a:latin typeface="Calibri" panose="020F0502020204030204" pitchFamily="34" charset="0"/>
+              <a:cs typeface="Calibri" panose="020F0502020204030204" pitchFamily="34" charset="0"/>
+            </a:endParaRPr>
           </a:p>
           <a:p>
             <a:pPr marL="573088" indent="-285750">
@@ -4239,22 +4244,23 @@
               </a:tabLst>
             </a:pPr>
             <a:r>
-              <a:rPr lang="en-US" sz="1200" smtClean="0"/>
-              <a:t>Classification</a:t>
-            </a:r>
-            <a:r>
-              <a:rPr lang="en-US" sz="1200" dirty="0"/>
-              <a:t>	</a:t>
-            </a:r>
-            <a:r>
-              <a:rPr lang="en-US" sz="1200"/>
-              <a:t>	</a:t>
-            </a:r>
-            <a:r>
-              <a:rPr lang="en-US" sz="1200" smtClean="0"/>
-              <a:t>target variable is qualitative</a:t>
-            </a:r>
-            <a:endParaRPr lang="en-US" sz="1200" b="1" dirty="0"/>
+              <a:rPr lang="en-US" sz="1100" smtClean="0">
+                <a:latin typeface="Calibri" panose="020F0502020204030204" pitchFamily="34" charset="0"/>
+                <a:cs typeface="Calibri" panose="020F0502020204030204" pitchFamily="34" charset="0"/>
+              </a:rPr>
+              <a:t>Classification – target </a:t>
+            </a:r>
+            <a:r>
+              <a:rPr lang="en-US" sz="1100" smtClean="0">
+                <a:latin typeface="Calibri" panose="020F0502020204030204" pitchFamily="34" charset="0"/>
+                <a:cs typeface="Calibri" panose="020F0502020204030204" pitchFamily="34" charset="0"/>
+              </a:rPr>
+              <a:t>variable is qualitative</a:t>
+            </a:r>
+            <a:endParaRPr lang="en-US" sz="1100" b="1" dirty="0">
+              <a:latin typeface="Calibri" panose="020F0502020204030204" pitchFamily="34" charset="0"/>
+              <a:cs typeface="Calibri" panose="020F0502020204030204" pitchFamily="34" charset="0"/>
+            </a:endParaRPr>
           </a:p>
           <a:p>
             <a:pPr marL="573088" indent="-285750">
@@ -4265,10 +4271,23 @@
               </a:tabLst>
             </a:pPr>
             <a:r>
-              <a:rPr lang="en-US" sz="1200" smtClean="0"/>
-              <a:t>Regression			target variable is quantitative</a:t>
-            </a:r>
-            <a:endParaRPr lang="en-US" sz="1200" dirty="0"/>
+              <a:rPr lang="en-US" sz="1100" smtClean="0">
+                <a:latin typeface="Calibri" panose="020F0502020204030204" pitchFamily="34" charset="0"/>
+                <a:cs typeface="Calibri" panose="020F0502020204030204" pitchFamily="34" charset="0"/>
+              </a:rPr>
+              <a:t>Regression – target </a:t>
+            </a:r>
+            <a:r>
+              <a:rPr lang="en-US" sz="1100" smtClean="0">
+                <a:latin typeface="Calibri" panose="020F0502020204030204" pitchFamily="34" charset="0"/>
+                <a:cs typeface="Calibri" panose="020F0502020204030204" pitchFamily="34" charset="0"/>
+              </a:rPr>
+              <a:t>variable is quantitative</a:t>
+            </a:r>
+            <a:endParaRPr lang="en-US" sz="1100" dirty="0">
+              <a:latin typeface="Calibri" panose="020F0502020204030204" pitchFamily="34" charset="0"/>
+              <a:cs typeface="Calibri" panose="020F0502020204030204" pitchFamily="34" charset="0"/>
+            </a:endParaRPr>
           </a:p>
           <a:p>
             <a:pPr>
@@ -4276,7 +4295,10 @@
                 <a:tab pos="573088" algn="l"/>
               </a:tabLst>
             </a:pPr>
-            <a:endParaRPr lang="en-US" sz="1200" dirty="0"/>
+            <a:endParaRPr lang="en-US" sz="1100" dirty="0">
+              <a:latin typeface="Calibri" panose="020F0502020204030204" pitchFamily="34" charset="0"/>
+              <a:cs typeface="Calibri" panose="020F0502020204030204" pitchFamily="34" charset="0"/>
+            </a:endParaRPr>
           </a:p>
           <a:p>
             <a:pPr>
@@ -4285,75 +4307,156 @@
               </a:tabLst>
             </a:pPr>
             <a:r>
-              <a:rPr lang="en-US" sz="1200" smtClean="0"/>
+              <a:rPr lang="en-US" sz="1100" smtClean="0">
+                <a:latin typeface="Calibri" panose="020F0502020204030204" pitchFamily="34" charset="0"/>
+                <a:cs typeface="Calibri" panose="020F0502020204030204" pitchFamily="34" charset="0"/>
+              </a:rPr>
               <a:t>A metric is used to evaluate how well the model works.</a:t>
             </a:r>
             <a:r>
-              <a:rPr lang="en-US" sz="1200" dirty="0"/>
+              <a:rPr lang="en-US" sz="1100" dirty="0">
+                <a:latin typeface="Calibri" panose="020F0502020204030204" pitchFamily="34" charset="0"/>
+                <a:cs typeface="Calibri" panose="020F0502020204030204" pitchFamily="34" charset="0"/>
+              </a:rPr>
               <a:t> </a:t>
             </a:r>
             <a:r>
-              <a:rPr lang="en-US" sz="1200" smtClean="0"/>
-              <a:t>Metrics are quantifiable and objective.</a:t>
-            </a:r>
-          </a:p>
-          <a:p>
-            <a:pPr>
-              <a:tabLst>
-                <a:tab pos="573088" algn="l"/>
-              </a:tabLst>
-            </a:pPr>
-            <a:endParaRPr lang="en-US" sz="1200" smtClean="0"/>
-          </a:p>
-          <a:p>
-            <a:pPr>
-              <a:tabLst>
-                <a:tab pos="573088" algn="l"/>
-              </a:tabLst>
-            </a:pPr>
-            <a:r>
-              <a:rPr lang="en-US" sz="1200" smtClean="0"/>
-              <a:t>The root mean squared error (RMSE) is the primary metric for evaluating regression models.</a:t>
-            </a:r>
-          </a:p>
-          <a:p>
-            <a:pPr>
-              <a:tabLst>
-                <a:tab pos="573088" algn="l"/>
-              </a:tabLst>
-            </a:pPr>
-            <a:endParaRPr lang="en-US" sz="1200"/>
-          </a:p>
-          <a:p>
-            <a:pPr>
-              <a:tabLst>
-                <a:tab pos="573088" algn="l"/>
-              </a:tabLst>
-            </a:pPr>
-            <a:r>
-              <a:rPr lang="en-US" sz="1200" smtClean="0"/>
-              <a:t>Caution: you should not calculate RMSE on the data that is used to fit the model (in-sample data). This leads to an overly optimistic assessment of how well the model works. This is due to overfitting - a problem where the model does not generalize well to new data.</a:t>
-            </a:r>
-          </a:p>
-          <a:p>
-            <a:pPr>
-              <a:tabLst>
-                <a:tab pos="573088" algn="l"/>
-              </a:tabLst>
-            </a:pPr>
-            <a:endParaRPr lang="en-US" sz="1200"/>
-          </a:p>
-          <a:p>
-            <a:pPr>
-              <a:tabLst>
-                <a:tab pos="573088" algn="l"/>
-              </a:tabLst>
-            </a:pPr>
-            <a:r>
-              <a:rPr lang="en-US" sz="1200" smtClean="0"/>
-              <a:t>The better alternative is to use out-of-sample RMSE.</a:t>
-            </a:r>
-            <a:endParaRPr lang="en-US" sz="1200" dirty="0"/>
+              <a:rPr lang="en-US" sz="1100" smtClean="0">
+                <a:latin typeface="Calibri" panose="020F0502020204030204" pitchFamily="34" charset="0"/>
+                <a:cs typeface="Calibri" panose="020F0502020204030204" pitchFamily="34" charset="0"/>
+              </a:rPr>
+              <a:t>Metrics are quantifiable and objective</a:t>
+            </a:r>
+            <a:r>
+              <a:rPr lang="en-US" sz="1100" smtClean="0">
+                <a:latin typeface="Calibri" panose="020F0502020204030204" pitchFamily="34" charset="0"/>
+                <a:cs typeface="Calibri" panose="020F0502020204030204" pitchFamily="34" charset="0"/>
+              </a:rPr>
+              <a:t>. The </a:t>
+            </a:r>
+            <a:r>
+              <a:rPr lang="en-US" sz="1100" smtClean="0">
+                <a:latin typeface="Calibri" panose="020F0502020204030204" pitchFamily="34" charset="0"/>
+                <a:cs typeface="Calibri" panose="020F0502020204030204" pitchFamily="34" charset="0"/>
+              </a:rPr>
+              <a:t>root mean squared error (RMSE) is </a:t>
+            </a:r>
+            <a:r>
+              <a:rPr lang="en-US" sz="1100" smtClean="0">
+                <a:latin typeface="Calibri" panose="020F0502020204030204" pitchFamily="34" charset="0"/>
+                <a:cs typeface="Calibri" panose="020F0502020204030204" pitchFamily="34" charset="0"/>
+              </a:rPr>
+              <a:t>a key </a:t>
+            </a:r>
+            <a:r>
+              <a:rPr lang="en-US" sz="1100" smtClean="0">
+                <a:latin typeface="Calibri" panose="020F0502020204030204" pitchFamily="34" charset="0"/>
+                <a:cs typeface="Calibri" panose="020F0502020204030204" pitchFamily="34" charset="0"/>
+              </a:rPr>
+              <a:t>metric </a:t>
+            </a:r>
+            <a:r>
+              <a:rPr lang="en-US" sz="1100" smtClean="0">
+                <a:latin typeface="Calibri" panose="020F0502020204030204" pitchFamily="34" charset="0"/>
+                <a:cs typeface="Calibri" panose="020F0502020204030204" pitchFamily="34" charset="0"/>
+              </a:rPr>
+              <a:t>for evaluating regression models</a:t>
+            </a:r>
+            <a:r>
+              <a:rPr lang="en-US" sz="1100" smtClean="0">
+                <a:latin typeface="Calibri" panose="020F0502020204030204" pitchFamily="34" charset="0"/>
+                <a:cs typeface="Calibri" panose="020F0502020204030204" pitchFamily="34" charset="0"/>
+              </a:rPr>
+              <a:t>. You </a:t>
+            </a:r>
+            <a:r>
+              <a:rPr lang="en-US" sz="1100" b="1" u="sng" smtClean="0">
+                <a:latin typeface="Calibri" panose="020F0502020204030204" pitchFamily="34" charset="0"/>
+                <a:cs typeface="Calibri" panose="020F0502020204030204" pitchFamily="34" charset="0"/>
+              </a:rPr>
+              <a:t>should not calculate</a:t>
+            </a:r>
+            <a:r>
+              <a:rPr lang="en-US" sz="1100" b="1" smtClean="0">
+                <a:latin typeface="Calibri" panose="020F0502020204030204" pitchFamily="34" charset="0"/>
+                <a:cs typeface="Calibri" panose="020F0502020204030204" pitchFamily="34" charset="0"/>
+              </a:rPr>
+              <a:t> </a:t>
+            </a:r>
+            <a:r>
+              <a:rPr lang="en-US" sz="1100" smtClean="0">
+                <a:latin typeface="Calibri" panose="020F0502020204030204" pitchFamily="34" charset="0"/>
+                <a:cs typeface="Calibri" panose="020F0502020204030204" pitchFamily="34" charset="0"/>
+              </a:rPr>
+              <a:t>RMSE on the data that is used to fit the model (in-sample data</a:t>
+            </a:r>
+            <a:r>
+              <a:rPr lang="en-US" sz="1100" smtClean="0">
+                <a:latin typeface="Calibri" panose="020F0502020204030204" pitchFamily="34" charset="0"/>
+                <a:cs typeface="Calibri" panose="020F0502020204030204" pitchFamily="34" charset="0"/>
+              </a:rPr>
+              <a:t>) because this </a:t>
+            </a:r>
+            <a:r>
+              <a:rPr lang="en-US" sz="1100" smtClean="0">
+                <a:latin typeface="Calibri" panose="020F0502020204030204" pitchFamily="34" charset="0"/>
+                <a:cs typeface="Calibri" panose="020F0502020204030204" pitchFamily="34" charset="0"/>
+              </a:rPr>
+              <a:t>leads to an overly optimistic assessment of how well the model </a:t>
+            </a:r>
+            <a:r>
+              <a:rPr lang="en-US" sz="1100" smtClean="0">
+                <a:latin typeface="Calibri" panose="020F0502020204030204" pitchFamily="34" charset="0"/>
+                <a:cs typeface="Calibri" panose="020F0502020204030204" pitchFamily="34" charset="0"/>
+              </a:rPr>
+              <a:t>works </a:t>
+            </a:r>
+            <a:r>
+              <a:rPr lang="en-US" sz="1100" smtClean="0">
+                <a:latin typeface="Calibri" panose="020F0502020204030204" pitchFamily="34" charset="0"/>
+                <a:cs typeface="Calibri" panose="020F0502020204030204" pitchFamily="34" charset="0"/>
+              </a:rPr>
+              <a:t>due to </a:t>
+            </a:r>
+            <a:r>
+              <a:rPr lang="en-US" sz="1100" smtClean="0">
+                <a:latin typeface="Calibri" panose="020F0502020204030204" pitchFamily="34" charset="0"/>
+                <a:cs typeface="Calibri" panose="020F0502020204030204" pitchFamily="34" charset="0"/>
+              </a:rPr>
+              <a:t>overfitting (model </a:t>
+            </a:r>
+            <a:r>
+              <a:rPr lang="en-US" sz="1100" smtClean="0">
+                <a:latin typeface="Calibri" panose="020F0502020204030204" pitchFamily="34" charset="0"/>
+                <a:cs typeface="Calibri" panose="020F0502020204030204" pitchFamily="34" charset="0"/>
+              </a:rPr>
+              <a:t>does not generalize well to new </a:t>
+            </a:r>
+            <a:r>
+              <a:rPr lang="en-US" sz="1100" smtClean="0">
+                <a:latin typeface="Calibri" panose="020F0502020204030204" pitchFamily="34" charset="0"/>
+                <a:cs typeface="Calibri" panose="020F0502020204030204" pitchFamily="34" charset="0"/>
+              </a:rPr>
+              <a:t>data). Use </a:t>
+            </a:r>
+            <a:r>
+              <a:rPr lang="en-US" sz="1100" smtClean="0">
+                <a:latin typeface="Calibri" panose="020F0502020204030204" pitchFamily="34" charset="0"/>
+                <a:cs typeface="Calibri" panose="020F0502020204030204" pitchFamily="34" charset="0"/>
+              </a:rPr>
+              <a:t>out-of-sample </a:t>
+            </a:r>
+            <a:r>
+              <a:rPr lang="en-US" sz="1100" smtClean="0">
+                <a:latin typeface="Calibri" panose="020F0502020204030204" pitchFamily="34" charset="0"/>
+                <a:cs typeface="Calibri" panose="020F0502020204030204" pitchFamily="34" charset="0"/>
+              </a:rPr>
+              <a:t>RMSE instead.</a:t>
+            </a:r>
+            <a:endParaRPr lang="en-US" sz="1100" dirty="0">
+              <a:latin typeface="Calibri" panose="020F0502020204030204" pitchFamily="34" charset="0"/>
+              <a:cs typeface="Calibri" panose="020F0502020204030204" pitchFamily="34" charset="0"/>
+            </a:endParaRPr>
           </a:p>
         </p:txBody>
       </p:sp>
@@ -4421,32 +4524,809 @@
           </a:p>
         </p:txBody>
       </p:sp>
+      <p:cxnSp>
+        <p:nvCxnSpPr>
+          <p:cNvPr id="20" name="Straight Connector 19"/>
+          <p:cNvCxnSpPr>
+            <a:stCxn id="21" idx="3"/>
+          </p:cNvCxnSpPr>
+          <p:nvPr/>
+        </p:nvCxnSpPr>
+        <p:spPr>
+          <a:xfrm>
+            <a:off x="7261411" y="2629944"/>
+            <a:ext cx="4356846" cy="30777"/>
+          </a:xfrm>
+          <a:prstGeom prst="line">
+            <a:avLst/>
+          </a:prstGeom>
+        </p:spPr>
+        <p:style>
+          <a:lnRef idx="1">
+            <a:schemeClr val="accent1"/>
+          </a:lnRef>
+          <a:fillRef idx="0">
+            <a:schemeClr val="accent1"/>
+          </a:fillRef>
+          <a:effectRef idx="0">
+            <a:schemeClr val="accent1"/>
+          </a:effectRef>
+          <a:fontRef idx="minor">
+            <a:schemeClr val="tx1"/>
+          </a:fontRef>
+        </p:style>
+      </p:cxnSp>
+      <p:sp>
+        <p:nvSpPr>
+          <p:cNvPr id="21" name="TextBox 20"/>
+          <p:cNvSpPr txBox="1"/>
+          <p:nvPr/>
+        </p:nvSpPr>
+        <p:spPr>
+          <a:xfrm>
+            <a:off x="1371599" y="2476055"/>
+            <a:ext cx="5889813" cy="307777"/>
+          </a:xfrm>
+          <a:prstGeom prst="rect">
+            <a:avLst/>
+          </a:prstGeom>
+          <a:noFill/>
+        </p:spPr>
+        <p:txBody>
+          <a:bodyPr wrap="square" rtlCol="0">
+            <a:spAutoFit/>
+          </a:bodyPr>
+          <a:lstStyle/>
+          <a:p>
+            <a:r>
+              <a:rPr lang="en-US" sz="1400" b="1" dirty="0">
+                <a:solidFill>
+                  <a:srgbClr val="0070C0"/>
+                </a:solidFill>
+              </a:rPr>
+              <a:t>Applied </a:t>
+            </a:r>
+            <a:r>
+              <a:rPr lang="en-US" sz="1400" b="1">
+                <a:solidFill>
+                  <a:srgbClr val="0070C0"/>
+                </a:solidFill>
+              </a:rPr>
+              <a:t>R </a:t>
+            </a:r>
+            <a:r>
+              <a:rPr lang="en-US" sz="1400" b="1" smtClean="0">
+                <a:solidFill>
+                  <a:srgbClr val="0070C0"/>
+                </a:solidFill>
+              </a:rPr>
+              <a:t>(fitting </a:t>
+            </a:r>
+            <a:r>
+              <a:rPr lang="en-US" sz="1400" b="1" smtClean="0">
+                <a:solidFill>
+                  <a:srgbClr val="0070C0"/>
+                </a:solidFill>
+              </a:rPr>
+              <a:t>a linear regression model and calculating in-sample RMSE)</a:t>
+            </a:r>
+            <a:endParaRPr lang="en-US" sz="1400" b="1" dirty="0">
+              <a:solidFill>
+                <a:srgbClr val="0070C0"/>
+              </a:solidFill>
+            </a:endParaRPr>
+          </a:p>
+        </p:txBody>
+      </p:sp>
       <p:grpSp>
         <p:nvGrpSpPr>
-          <p:cNvPr id="18" name="Group 17"/>
+          <p:cNvPr id="7" name="Group 6"/>
           <p:cNvGrpSpPr/>
           <p:nvPr/>
         </p:nvGrpSpPr>
         <p:grpSpPr>
           <a:xfrm>
-            <a:off x="1371600" y="4258429"/>
-            <a:ext cx="9746766" cy="369332"/>
-            <a:chOff x="1279822" y="3765833"/>
-            <a:chExt cx="9746766" cy="369332"/>
+            <a:off x="1551983" y="2835472"/>
+            <a:ext cx="9888415" cy="400110"/>
+            <a:chOff x="1610233" y="3218204"/>
+            <a:chExt cx="9888415" cy="400110"/>
           </a:xfrm>
         </p:grpSpPr>
+        <p:sp>
+          <p:nvSpPr>
+            <p:cNvPr id="22" name="TextBox 21"/>
+            <p:cNvSpPr txBox="1"/>
+            <p:nvPr/>
+          </p:nvSpPr>
+          <p:spPr>
+            <a:xfrm>
+              <a:off x="1610233" y="3218204"/>
+              <a:ext cx="1921862" cy="400110"/>
+            </a:xfrm>
+            <a:prstGeom prst="rect">
+              <a:avLst/>
+            </a:prstGeom>
+            <a:solidFill>
+              <a:schemeClr val="accent2">
+                <a:lumMod val="20000"/>
+                <a:lumOff val="80000"/>
+              </a:schemeClr>
+            </a:solidFill>
+          </p:spPr>
+          <p:txBody>
+            <a:bodyPr wrap="square" rtlCol="0">
+              <a:spAutoFit/>
+            </a:bodyPr>
+            <a:lstStyle/>
+            <a:p>
+              <a:pPr algn="ctr"/>
+              <a:r>
+                <a:rPr lang="en-US" sz="1000" smtClean="0">
+                  <a:latin typeface="Consolas" panose="020B0609020204030204" pitchFamily="49" charset="0"/>
+                </a:rPr>
+                <a:t>model </a:t>
+              </a:r>
+              <a:r>
+                <a:rPr lang="en-US" sz="1000" smtClean="0">
+                  <a:latin typeface="Consolas" panose="020B0609020204030204" pitchFamily="49" charset="0"/>
+                </a:rPr>
+                <a:t>&lt;-</a:t>
+              </a:r>
+            </a:p>
+            <a:p>
+              <a:pPr algn="ctr"/>
+              <a:r>
+                <a:rPr lang="en-US" sz="1000" smtClean="0">
+                  <a:latin typeface="Consolas" panose="020B0609020204030204" pitchFamily="49" charset="0"/>
+                </a:rPr>
+                <a:t>lm(price </a:t>
+              </a:r>
+              <a:r>
+                <a:rPr lang="en-US" sz="1000" smtClean="0">
+                  <a:latin typeface="Consolas" panose="020B0609020204030204" pitchFamily="49" charset="0"/>
+                </a:rPr>
+                <a:t>~ ., diamonds</a:t>
+              </a:r>
+              <a:r>
+                <a:rPr lang="en-US" sz="1000" smtClean="0">
+                  <a:latin typeface="Consolas" panose="020B0609020204030204" pitchFamily="49" charset="0"/>
+                </a:rPr>
+                <a:t>)</a:t>
+              </a:r>
+              <a:endParaRPr lang="en-US" sz="1000" smtClean="0">
+                <a:latin typeface="Consolas" panose="020B0609020204030204" pitchFamily="49" charset="0"/>
+              </a:endParaRPr>
+            </a:p>
+          </p:txBody>
+        </p:sp>
+        <p:sp>
+          <p:nvSpPr>
+            <p:cNvPr id="10" name="TextBox 9"/>
+            <p:cNvSpPr txBox="1"/>
+            <p:nvPr/>
+          </p:nvSpPr>
+          <p:spPr>
+            <a:xfrm>
+              <a:off x="4173598" y="3218204"/>
+              <a:ext cx="1994051" cy="400110"/>
+            </a:xfrm>
+            <a:prstGeom prst="rect">
+              <a:avLst/>
+            </a:prstGeom>
+            <a:solidFill>
+              <a:schemeClr val="accent2">
+                <a:lumMod val="20000"/>
+                <a:lumOff val="80000"/>
+              </a:schemeClr>
+            </a:solidFill>
+          </p:spPr>
+          <p:txBody>
+            <a:bodyPr wrap="square" rtlCol="0">
+              <a:spAutoFit/>
+            </a:bodyPr>
+            <a:lstStyle/>
+            <a:p>
+              <a:pPr algn="ctr"/>
+              <a:r>
+                <a:rPr lang="en-US" sz="1000" smtClean="0">
+                  <a:latin typeface="Consolas" panose="020B0609020204030204" pitchFamily="49" charset="0"/>
+                </a:rPr>
+                <a:t>predictions &lt;-</a:t>
+              </a:r>
+            </a:p>
+            <a:p>
+              <a:pPr algn="ctr"/>
+              <a:r>
+                <a:rPr lang="en-US" sz="1000" smtClean="0">
+                  <a:latin typeface="Consolas" panose="020B0609020204030204" pitchFamily="49" charset="0"/>
+                </a:rPr>
+                <a:t>predict(model</a:t>
+              </a:r>
+              <a:r>
+                <a:rPr lang="en-US" sz="1000" smtClean="0">
+                  <a:latin typeface="Consolas" panose="020B0609020204030204" pitchFamily="49" charset="0"/>
+                </a:rPr>
+                <a:t>, diamonds</a:t>
+              </a:r>
+              <a:r>
+                <a:rPr lang="en-US" sz="1000" smtClean="0">
+                  <a:latin typeface="Consolas" panose="020B0609020204030204" pitchFamily="49" charset="0"/>
+                </a:rPr>
+                <a:t>)</a:t>
+              </a:r>
+              <a:endParaRPr lang="en-US" sz="1000" smtClean="0">
+                <a:latin typeface="Consolas" panose="020B0609020204030204" pitchFamily="49" charset="0"/>
+              </a:endParaRPr>
+            </a:p>
+          </p:txBody>
+        </p:sp>
+        <p:sp>
+          <p:nvSpPr>
+            <p:cNvPr id="11" name="TextBox 10"/>
+            <p:cNvSpPr txBox="1"/>
+            <p:nvPr/>
+          </p:nvSpPr>
+          <p:spPr>
+            <a:xfrm>
+              <a:off x="6805029" y="3218204"/>
+              <a:ext cx="1884760" cy="400110"/>
+            </a:xfrm>
+            <a:prstGeom prst="rect">
+              <a:avLst/>
+            </a:prstGeom>
+            <a:solidFill>
+              <a:schemeClr val="accent2">
+                <a:lumMod val="20000"/>
+                <a:lumOff val="80000"/>
+              </a:schemeClr>
+            </a:solidFill>
+          </p:spPr>
+          <p:txBody>
+            <a:bodyPr wrap="square" rtlCol="0">
+              <a:spAutoFit/>
+            </a:bodyPr>
+            <a:lstStyle/>
+            <a:p>
+              <a:pPr algn="ctr"/>
+              <a:r>
+                <a:rPr lang="en-US" sz="1000" smtClean="0">
+                  <a:latin typeface="Consolas" panose="020B0609020204030204" pitchFamily="49" charset="0"/>
+                </a:rPr>
+                <a:t>model_rmse &lt;-</a:t>
+              </a:r>
+            </a:p>
+            <a:p>
+              <a:pPr algn="ctr"/>
+              <a:r>
+                <a:rPr lang="en-US" sz="1000" smtClean="0">
+                  <a:latin typeface="Consolas" panose="020B0609020204030204" pitchFamily="49" charset="0"/>
+                </a:rPr>
+                <a:t>sqrt(mean(error </a:t>
+              </a:r>
+              <a:r>
+                <a:rPr lang="en-US" sz="1000" smtClean="0">
+                  <a:latin typeface="Consolas" panose="020B0609020204030204" pitchFamily="49" charset="0"/>
+                </a:rPr>
+                <a:t>^2))</a:t>
+              </a:r>
+            </a:p>
+          </p:txBody>
+        </p:sp>
+        <p:sp>
+          <p:nvSpPr>
+            <p:cNvPr id="12" name="TextBox 11"/>
+            <p:cNvSpPr txBox="1"/>
+            <p:nvPr/>
+          </p:nvSpPr>
+          <p:spPr>
+            <a:xfrm>
+              <a:off x="9327169" y="3218204"/>
+              <a:ext cx="2171479" cy="400110"/>
+            </a:xfrm>
+            <a:prstGeom prst="rect">
+              <a:avLst/>
+            </a:prstGeom>
+            <a:solidFill>
+              <a:schemeClr val="accent2">
+                <a:lumMod val="20000"/>
+                <a:lumOff val="80000"/>
+              </a:schemeClr>
+            </a:solidFill>
+          </p:spPr>
+          <p:txBody>
+            <a:bodyPr wrap="square" rtlCol="0">
+              <a:spAutoFit/>
+            </a:bodyPr>
+            <a:lstStyle/>
+            <a:p>
+              <a:pPr algn="ctr"/>
+              <a:r>
+                <a:rPr lang="en-US" sz="1000" smtClean="0">
+                  <a:latin typeface="Consolas" panose="020B0609020204030204" pitchFamily="49" charset="0"/>
+                </a:rPr>
+                <a:t>errors &lt;-</a:t>
+              </a:r>
+            </a:p>
+            <a:p>
+              <a:pPr algn="ctr"/>
+              <a:r>
+                <a:rPr lang="en-US" sz="1000" smtClean="0">
+                  <a:latin typeface="Consolas" panose="020B0609020204030204" pitchFamily="49" charset="0"/>
+                </a:rPr>
+                <a:t>predictions </a:t>
+              </a:r>
+              <a:r>
+                <a:rPr lang="en-US" sz="1000" smtClean="0">
+                  <a:latin typeface="Consolas" panose="020B0609020204030204" pitchFamily="49" charset="0"/>
+                </a:rPr>
+                <a:t>– </a:t>
+              </a:r>
+              <a:r>
+                <a:rPr lang="en-US" sz="1000" smtClean="0">
+                  <a:latin typeface="Consolas" panose="020B0609020204030204" pitchFamily="49" charset="0"/>
+                </a:rPr>
+                <a:t>diamonds$price</a:t>
+              </a:r>
+              <a:endParaRPr lang="en-US" sz="1000" smtClean="0">
+                <a:latin typeface="Consolas" panose="020B0609020204030204" pitchFamily="49" charset="0"/>
+              </a:endParaRPr>
+            </a:p>
+          </p:txBody>
+        </p:sp>
+        <p:sp>
+          <p:nvSpPr>
+            <p:cNvPr id="5" name="Right Arrow 4"/>
+            <p:cNvSpPr/>
+            <p:nvPr/>
+          </p:nvSpPr>
+          <p:spPr>
+            <a:xfrm>
+              <a:off x="3646658" y="3349530"/>
+              <a:ext cx="412377" cy="137458"/>
+            </a:xfrm>
+            <a:prstGeom prst="rightArrow">
+              <a:avLst/>
+            </a:prstGeom>
+          </p:spPr>
+          <p:style>
+            <a:lnRef idx="0">
+              <a:schemeClr val="accent3"/>
+            </a:lnRef>
+            <a:fillRef idx="3">
+              <a:schemeClr val="accent3"/>
+            </a:fillRef>
+            <a:effectRef idx="3">
+              <a:schemeClr val="accent3"/>
+            </a:effectRef>
+            <a:fontRef idx="minor">
+              <a:schemeClr val="lt1"/>
+            </a:fontRef>
+          </p:style>
+          <p:txBody>
+            <a:bodyPr rtlCol="0" anchor="ctr"/>
+            <a:lstStyle/>
+            <a:p>
+              <a:pPr algn="ctr"/>
+              <a:endParaRPr lang="en-US"/>
+            </a:p>
+          </p:txBody>
+        </p:sp>
+        <p:sp>
+          <p:nvSpPr>
+            <p:cNvPr id="19" name="Right Arrow 18"/>
+            <p:cNvSpPr/>
+            <p:nvPr/>
+          </p:nvSpPr>
+          <p:spPr>
+            <a:xfrm>
+              <a:off x="6280150" y="3349530"/>
+              <a:ext cx="412377" cy="137458"/>
+            </a:xfrm>
+            <a:prstGeom prst="rightArrow">
+              <a:avLst/>
+            </a:prstGeom>
+          </p:spPr>
+          <p:style>
+            <a:lnRef idx="0">
+              <a:schemeClr val="accent3"/>
+            </a:lnRef>
+            <a:fillRef idx="3">
+              <a:schemeClr val="accent3"/>
+            </a:fillRef>
+            <a:effectRef idx="3">
+              <a:schemeClr val="accent3"/>
+            </a:effectRef>
+            <a:fontRef idx="minor">
+              <a:schemeClr val="lt1"/>
+            </a:fontRef>
+          </p:style>
+          <p:txBody>
+            <a:bodyPr rtlCol="0" anchor="ctr"/>
+            <a:lstStyle/>
+            <a:p>
+              <a:pPr algn="ctr"/>
+              <a:endParaRPr lang="en-US"/>
+            </a:p>
+          </p:txBody>
+        </p:sp>
+        <p:sp>
+          <p:nvSpPr>
+            <p:cNvPr id="25" name="Right Arrow 24"/>
+            <p:cNvSpPr/>
+            <p:nvPr/>
+          </p:nvSpPr>
+          <p:spPr>
+            <a:xfrm>
+              <a:off x="8802291" y="3349530"/>
+              <a:ext cx="412377" cy="137458"/>
+            </a:xfrm>
+            <a:prstGeom prst="rightArrow">
+              <a:avLst/>
+            </a:prstGeom>
+          </p:spPr>
+          <p:style>
+            <a:lnRef idx="0">
+              <a:schemeClr val="accent3"/>
+            </a:lnRef>
+            <a:fillRef idx="3">
+              <a:schemeClr val="accent3"/>
+            </a:fillRef>
+            <a:effectRef idx="3">
+              <a:schemeClr val="accent3"/>
+            </a:effectRef>
+            <a:fontRef idx="minor">
+              <a:schemeClr val="lt1"/>
+            </a:fontRef>
+          </p:style>
+          <p:txBody>
+            <a:bodyPr rtlCol="0" anchor="ctr"/>
+            <a:lstStyle/>
+            <a:p>
+              <a:pPr algn="ctr"/>
+              <a:endParaRPr lang="en-US"/>
+            </a:p>
+          </p:txBody>
+        </p:sp>
+      </p:grpSp>
+      <p:sp>
+        <p:nvSpPr>
+          <p:cNvPr id="26" name="TextBox 25"/>
+          <p:cNvSpPr txBox="1"/>
+          <p:nvPr/>
+        </p:nvSpPr>
+        <p:spPr>
+          <a:xfrm>
+            <a:off x="1371599" y="3321371"/>
+            <a:ext cx="10246658" cy="1446550"/>
+          </a:xfrm>
+          <a:prstGeom prst="rect">
+            <a:avLst/>
+          </a:prstGeom>
+          <a:noFill/>
+        </p:spPr>
+        <p:txBody>
+          <a:bodyPr wrap="square" rtlCol="0">
+            <a:spAutoFit/>
+          </a:bodyPr>
+          <a:lstStyle/>
+          <a:p>
+            <a:r>
+              <a:rPr lang="en-US" sz="1100" smtClean="0">
+                <a:latin typeface="Calibri" panose="020F0502020204030204" pitchFamily="34" charset="0"/>
+                <a:cs typeface="Calibri" panose="020F0502020204030204" pitchFamily="34" charset="0"/>
+              </a:rPr>
+              <a:t>One way to take a train/test split of a dataset is to order the dataset </a:t>
+            </a:r>
+            <a:r>
+              <a:rPr lang="en-US" sz="1100" smtClean="0">
+                <a:latin typeface="Calibri" panose="020F0502020204030204" pitchFamily="34" charset="0"/>
+                <a:cs typeface="Calibri" panose="020F0502020204030204" pitchFamily="34" charset="0"/>
+              </a:rPr>
+              <a:t>randomly and </a:t>
+            </a:r>
+            <a:r>
+              <a:rPr lang="en-US" sz="1100" smtClean="0">
+                <a:latin typeface="Calibri" panose="020F0502020204030204" pitchFamily="34" charset="0"/>
+                <a:cs typeface="Calibri" panose="020F0502020204030204" pitchFamily="34" charset="0"/>
+              </a:rPr>
+              <a:t>then divide it into </a:t>
+            </a:r>
+            <a:r>
+              <a:rPr lang="en-US" sz="1100" smtClean="0">
+                <a:latin typeface="Calibri" panose="020F0502020204030204" pitchFamily="34" charset="0"/>
+                <a:cs typeface="Calibri" panose="020F0502020204030204" pitchFamily="34" charset="0"/>
+              </a:rPr>
+              <a:t>two </a:t>
+            </a:r>
+            <a:r>
+              <a:rPr lang="en-US" sz="1100" smtClean="0">
+                <a:latin typeface="Calibri" panose="020F0502020204030204" pitchFamily="34" charset="0"/>
+                <a:cs typeface="Calibri" panose="020F0502020204030204" pitchFamily="34" charset="0"/>
+              </a:rPr>
+              <a:t>sets. This ensures that </a:t>
+            </a:r>
+            <a:r>
+              <a:rPr lang="en-US" sz="1100" smtClean="0">
+                <a:latin typeface="Calibri" panose="020F0502020204030204" pitchFamily="34" charset="0"/>
+                <a:cs typeface="Calibri" panose="020F0502020204030204" pitchFamily="34" charset="0"/>
+              </a:rPr>
+              <a:t>training/test </a:t>
+            </a:r>
+            <a:r>
+              <a:rPr lang="en-US" sz="1100" smtClean="0">
+                <a:latin typeface="Calibri" panose="020F0502020204030204" pitchFamily="34" charset="0"/>
+                <a:cs typeface="Calibri" panose="020F0502020204030204" pitchFamily="34" charset="0"/>
+              </a:rPr>
+              <a:t>are both random samples and that any biases in the ordering of the dataset are not retained in the </a:t>
+            </a:r>
+            <a:r>
+              <a:rPr lang="en-US" sz="1100" smtClean="0">
+                <a:latin typeface="Calibri" panose="020F0502020204030204" pitchFamily="34" charset="0"/>
+                <a:cs typeface="Calibri" panose="020F0502020204030204" pitchFamily="34" charset="0"/>
+              </a:rPr>
+              <a:t>sample.</a:t>
+            </a:r>
+            <a:endParaRPr lang="en-US" sz="1100" smtClean="0">
+              <a:latin typeface="Calibri" panose="020F0502020204030204" pitchFamily="34" charset="0"/>
+              <a:cs typeface="Calibri" panose="020F0502020204030204" pitchFamily="34" charset="0"/>
+            </a:endParaRPr>
+          </a:p>
+          <a:p>
+            <a:pPr marL="460375" indent="-233363">
+              <a:lnSpc>
+                <a:spcPct val="150000"/>
+              </a:lnSpc>
+              <a:buFont typeface="+mj-lt"/>
+              <a:buAutoNum type="arabicPeriod"/>
+            </a:pPr>
+            <a:r>
+              <a:rPr lang="en-US" sz="1100" smtClean="0">
+                <a:latin typeface="Calibri" panose="020F0502020204030204" pitchFamily="34" charset="0"/>
+                <a:cs typeface="Calibri" panose="020F0502020204030204" pitchFamily="34" charset="0"/>
+              </a:rPr>
+              <a:t>Once </a:t>
+            </a:r>
+            <a:r>
+              <a:rPr lang="en-US" sz="1100" smtClean="0">
+                <a:latin typeface="Calibri" panose="020F0502020204030204" pitchFamily="34" charset="0"/>
+                <a:cs typeface="Calibri" panose="020F0502020204030204" pitchFamily="34" charset="0"/>
+              </a:rPr>
+              <a:t>the dataset in randomized, split the first 80% of the dataset into a training set and the remaining 20% into a test set</a:t>
+            </a:r>
+            <a:r>
+              <a:rPr lang="en-US" sz="1100" smtClean="0">
+                <a:latin typeface="Calibri" panose="020F0502020204030204" pitchFamily="34" charset="0"/>
+                <a:cs typeface="Calibri" panose="020F0502020204030204" pitchFamily="34" charset="0"/>
+              </a:rPr>
+              <a:t>.</a:t>
+            </a:r>
+          </a:p>
+          <a:p>
+            <a:pPr marL="460375" indent="-233363">
+              <a:lnSpc>
+                <a:spcPct val="150000"/>
+              </a:lnSpc>
+              <a:buFont typeface="+mj-lt"/>
+              <a:buAutoNum type="arabicPeriod"/>
+            </a:pPr>
+            <a:r>
+              <a:rPr lang="en-US" sz="1100" smtClean="0">
+                <a:latin typeface="Calibri" panose="020F0502020204030204" pitchFamily="34" charset="0"/>
+                <a:cs typeface="Calibri" panose="020F0502020204030204" pitchFamily="34" charset="0"/>
+              </a:rPr>
+              <a:t>Building </a:t>
+            </a:r>
+            <a:r>
+              <a:rPr lang="en-US" sz="1100">
+                <a:latin typeface="Calibri" panose="020F0502020204030204" pitchFamily="34" charset="0"/>
+                <a:cs typeface="Calibri" panose="020F0502020204030204" pitchFamily="34" charset="0"/>
+              </a:rPr>
+              <a:t>a linear regression model – using lm() – on your training data and the use predict() to make predictions on your test </a:t>
+            </a:r>
+            <a:r>
+              <a:rPr lang="en-US" sz="1100">
+                <a:latin typeface="Calibri" panose="020F0502020204030204" pitchFamily="34" charset="0"/>
+                <a:cs typeface="Calibri" panose="020F0502020204030204" pitchFamily="34" charset="0"/>
+              </a:rPr>
+              <a:t>data</a:t>
+            </a:r>
+            <a:r>
+              <a:rPr lang="en-US" sz="1100" smtClean="0">
+                <a:latin typeface="Calibri" panose="020F0502020204030204" pitchFamily="34" charset="0"/>
+                <a:cs typeface="Calibri" panose="020F0502020204030204" pitchFamily="34" charset="0"/>
+              </a:rPr>
+              <a:t>.</a:t>
+            </a:r>
+          </a:p>
+          <a:p>
+            <a:pPr marL="460375" indent="-233363">
+              <a:lnSpc>
+                <a:spcPct val="150000"/>
+              </a:lnSpc>
+              <a:buFont typeface="+mj-lt"/>
+              <a:buAutoNum type="arabicPeriod"/>
+            </a:pPr>
+            <a:r>
+              <a:rPr lang="en-US" sz="1100" smtClean="0">
+                <a:latin typeface="Calibri" panose="020F0502020204030204" pitchFamily="34" charset="0"/>
+                <a:cs typeface="Calibri" panose="020F0502020204030204" pitchFamily="34" charset="0"/>
+              </a:rPr>
+              <a:t>Calculate </a:t>
+            </a:r>
+            <a:r>
+              <a:rPr lang="en-US" sz="1100">
+                <a:latin typeface="Calibri" panose="020F0502020204030204" pitchFamily="34" charset="0"/>
+                <a:cs typeface="Calibri" panose="020F0502020204030204" pitchFamily="34" charset="0"/>
+              </a:rPr>
+              <a:t>the error on </a:t>
+            </a:r>
+            <a:r>
+              <a:rPr lang="en-US" sz="1100">
+                <a:latin typeface="Calibri" panose="020F0502020204030204" pitchFamily="34" charset="0"/>
+                <a:cs typeface="Calibri" panose="020F0502020204030204" pitchFamily="34" charset="0"/>
+              </a:rPr>
+              <a:t>the </a:t>
+            </a:r>
+            <a:r>
+              <a:rPr lang="en-US" sz="1100" smtClean="0">
+                <a:latin typeface="Calibri" panose="020F0502020204030204" pitchFamily="34" charset="0"/>
+                <a:cs typeface="Calibri" panose="020F0502020204030204" pitchFamily="34" charset="0"/>
+              </a:rPr>
+              <a:t>predictions.</a:t>
+            </a:r>
+          </a:p>
+          <a:p>
+            <a:pPr marL="460375" indent="-233363">
+              <a:lnSpc>
+                <a:spcPct val="150000"/>
+              </a:lnSpc>
+              <a:buFont typeface="+mj-lt"/>
+              <a:buAutoNum type="arabicPeriod"/>
+            </a:pPr>
+            <a:r>
+              <a:rPr lang="en-US" sz="1100" smtClean="0">
+                <a:latin typeface="Calibri" panose="020F0502020204030204" pitchFamily="34" charset="0"/>
+                <a:cs typeface="Calibri" panose="020F0502020204030204" pitchFamily="34" charset="0"/>
+              </a:rPr>
+              <a:t>Use the errors to compute the out-of-sample RMSE. </a:t>
+            </a:r>
+            <a:r>
+              <a:rPr lang="en-US" sz="1100">
+                <a:latin typeface="Calibri" panose="020F0502020204030204" pitchFamily="34" charset="0"/>
+                <a:cs typeface="Calibri" panose="020F0502020204030204" pitchFamily="34" charset="0"/>
+              </a:rPr>
+              <a:t>Compare </a:t>
+            </a:r>
+            <a:r>
+              <a:rPr lang="en-US" sz="1100">
+                <a:latin typeface="Calibri" panose="020F0502020204030204" pitchFamily="34" charset="0"/>
+                <a:cs typeface="Calibri" panose="020F0502020204030204" pitchFamily="34" charset="0"/>
+              </a:rPr>
+              <a:t>the </a:t>
+            </a:r>
+            <a:r>
+              <a:rPr lang="en-US" sz="1100" smtClean="0">
+                <a:latin typeface="Calibri" panose="020F0502020204030204" pitchFamily="34" charset="0"/>
+                <a:cs typeface="Calibri" panose="020F0502020204030204" pitchFamily="34" charset="0"/>
+              </a:rPr>
+              <a:t>OS-RMSE </a:t>
+            </a:r>
+            <a:r>
+              <a:rPr lang="en-US" sz="1100">
+                <a:latin typeface="Calibri" panose="020F0502020204030204" pitchFamily="34" charset="0"/>
+                <a:cs typeface="Calibri" panose="020F0502020204030204" pitchFamily="34" charset="0"/>
+              </a:rPr>
+              <a:t>to </a:t>
+            </a:r>
+            <a:r>
+              <a:rPr lang="en-US" sz="1100">
+                <a:latin typeface="Calibri" panose="020F0502020204030204" pitchFamily="34" charset="0"/>
+                <a:cs typeface="Calibri" panose="020F0502020204030204" pitchFamily="34" charset="0"/>
+              </a:rPr>
+              <a:t>the </a:t>
+            </a:r>
+            <a:r>
+              <a:rPr lang="en-US" sz="1100" smtClean="0">
+                <a:latin typeface="Calibri" panose="020F0502020204030204" pitchFamily="34" charset="0"/>
+                <a:cs typeface="Calibri" panose="020F0502020204030204" pitchFamily="34" charset="0"/>
+              </a:rPr>
+              <a:t>IS-RMSE to </a:t>
+            </a:r>
+            <a:r>
+              <a:rPr lang="en-US" sz="1100">
+                <a:latin typeface="Calibri" panose="020F0502020204030204" pitchFamily="34" charset="0"/>
+                <a:cs typeface="Calibri" panose="020F0502020204030204" pitchFamily="34" charset="0"/>
+              </a:rPr>
+              <a:t>assess the extent of over-fitting in </a:t>
+            </a:r>
+            <a:r>
+              <a:rPr lang="en-US" sz="1100">
+                <a:latin typeface="Calibri" panose="020F0502020204030204" pitchFamily="34" charset="0"/>
+                <a:cs typeface="Calibri" panose="020F0502020204030204" pitchFamily="34" charset="0"/>
+              </a:rPr>
+              <a:t>the </a:t>
+            </a:r>
+            <a:r>
+              <a:rPr lang="en-US" sz="1100" smtClean="0">
+                <a:latin typeface="Calibri" panose="020F0502020204030204" pitchFamily="34" charset="0"/>
+                <a:cs typeface="Calibri" panose="020F0502020204030204" pitchFamily="34" charset="0"/>
+              </a:rPr>
+              <a:t>IS model.</a:t>
+            </a:r>
+            <a:endParaRPr lang="en-US" sz="1100" smtClean="0">
+              <a:latin typeface="Calibri" panose="020F0502020204030204" pitchFamily="34" charset="0"/>
+              <a:cs typeface="Calibri" panose="020F0502020204030204" pitchFamily="34" charset="0"/>
+            </a:endParaRPr>
+          </a:p>
+        </p:txBody>
+      </p:sp>
+      <p:grpSp>
+        <p:nvGrpSpPr>
+          <p:cNvPr id="45" name="Group 44"/>
+          <p:cNvGrpSpPr/>
+          <p:nvPr/>
+        </p:nvGrpSpPr>
+        <p:grpSpPr>
+          <a:xfrm>
+            <a:off x="1371599" y="4761846"/>
+            <a:ext cx="10246658" cy="307777"/>
+            <a:chOff x="1371599" y="5047345"/>
+            <a:chExt cx="10246658" cy="307777"/>
+          </a:xfrm>
+        </p:grpSpPr>
+        <p:sp>
+          <p:nvSpPr>
+            <p:cNvPr id="37" name="TextBox 36"/>
+            <p:cNvSpPr txBox="1"/>
+            <p:nvPr/>
+          </p:nvSpPr>
+          <p:spPr>
+            <a:xfrm>
+              <a:off x="1371599" y="5047345"/>
+              <a:ext cx="3397625" cy="307777"/>
+            </a:xfrm>
+            <a:prstGeom prst="rect">
+              <a:avLst/>
+            </a:prstGeom>
+            <a:noFill/>
+          </p:spPr>
+          <p:txBody>
+            <a:bodyPr wrap="square" rtlCol="0">
+              <a:spAutoFit/>
+            </a:bodyPr>
+            <a:lstStyle>
+              <a:defPPr>
+                <a:defRPr lang="en-US"/>
+              </a:defPPr>
+              <a:lvl1pPr>
+                <a:defRPr sz="1400" b="1">
+                  <a:solidFill>
+                    <a:srgbClr val="0070C0"/>
+                  </a:solidFill>
+                </a:defRPr>
+              </a:lvl1pPr>
+            </a:lstStyle>
+            <a:p>
+              <a:r>
+                <a:rPr lang="en-US"/>
+                <a:t>Applied R (evaluating out-of-sample RMSE)</a:t>
+              </a:r>
+              <a:endParaRPr lang="en-US" dirty="0"/>
+            </a:p>
+          </p:txBody>
+        </p:sp>
         <p:cxnSp>
           <p:nvCxnSpPr>
-            <p:cNvPr id="20" name="Straight Connector 19"/>
+            <p:cNvPr id="40" name="Straight Connector 39"/>
             <p:cNvCxnSpPr>
-              <a:stCxn id="21" idx="3"/>
+              <a:stCxn id="37" idx="3"/>
             </p:cNvCxnSpPr>
             <p:nvPr/>
           </p:nvCxnSpPr>
           <p:spPr>
-            <a:xfrm>
-              <a:off x="8897164" y="3950499"/>
-              <a:ext cx="2129424" cy="0"/>
+            <a:xfrm flipV="1">
+              <a:off x="4769224" y="5181600"/>
+              <a:ext cx="6849033" cy="19634"/>
             </a:xfrm>
             <a:prstGeom prst="line">
               <a:avLst/>
@@ -4467,71 +5347,17 @@
             </a:fontRef>
           </p:style>
         </p:cxnSp>
-        <p:sp>
-          <p:nvSpPr>
-            <p:cNvPr id="21" name="TextBox 20"/>
-            <p:cNvSpPr txBox="1"/>
-            <p:nvPr/>
-          </p:nvSpPr>
-          <p:spPr>
-            <a:xfrm>
-              <a:off x="1279822" y="3765833"/>
-              <a:ext cx="7617342" cy="369332"/>
-            </a:xfrm>
-            <a:prstGeom prst="rect">
-              <a:avLst/>
-            </a:prstGeom>
-            <a:noFill/>
-          </p:spPr>
-          <p:txBody>
-            <a:bodyPr wrap="none" rtlCol="0">
-              <a:spAutoFit/>
-            </a:bodyPr>
-            <a:lstStyle/>
-            <a:p>
-              <a:r>
-                <a:rPr lang="en-US" b="1" dirty="0">
-                  <a:solidFill>
-                    <a:srgbClr val="00B0F0"/>
-                  </a:solidFill>
-                </a:rPr>
-                <a:t>Applied </a:t>
-              </a:r>
-              <a:r>
-                <a:rPr lang="en-US" b="1">
-                  <a:solidFill>
-                    <a:srgbClr val="00B0F0"/>
-                  </a:solidFill>
-                </a:rPr>
-                <a:t>R </a:t>
-              </a:r>
-              <a:r>
-                <a:rPr lang="en-US" b="1" smtClean="0">
-                  <a:solidFill>
-                    <a:srgbClr val="00B0F0"/>
-                  </a:solidFill>
-                </a:rPr>
-                <a:t>(Fitting a linear regression model and calculating in-sample RMSE)</a:t>
-              </a:r>
-              <a:endParaRPr lang="en-US" b="1" dirty="0">
-                <a:solidFill>
-                  <a:srgbClr val="00B0F0"/>
-                </a:solidFill>
-              </a:endParaRPr>
-            </a:p>
-          </p:txBody>
-        </p:sp>
       </p:grpSp>
       <p:sp>
         <p:nvSpPr>
-          <p:cNvPr id="22" name="TextBox 21"/>
+          <p:cNvPr id="46" name="TextBox 45"/>
           <p:cNvSpPr txBox="1"/>
           <p:nvPr/>
         </p:nvSpPr>
         <p:spPr>
           <a:xfrm>
-            <a:off x="1598280" y="4750221"/>
-            <a:ext cx="3185487" cy="1277273"/>
+            <a:off x="1551983" y="5133337"/>
+            <a:ext cx="2810842" cy="784830"/>
           </a:xfrm>
           <a:prstGeom prst="rect">
             <a:avLst/>
@@ -4544,56 +5370,404 @@
           </a:solidFill>
         </p:spPr>
         <p:txBody>
+          <a:bodyPr wrap="square" rtlCol="0">
+            <a:spAutoFit/>
+          </a:bodyPr>
+          <a:lstStyle/>
+          <a:p>
+            <a:r>
+              <a:rPr lang="en-US" sz="900" smtClean="0">
+                <a:latin typeface="Consolas" panose="020B0609020204030204" pitchFamily="49" charset="0"/>
+              </a:rPr>
+              <a:t>set.seed(42)</a:t>
+            </a:r>
+          </a:p>
+          <a:p>
+            <a:endParaRPr lang="en-US" sz="900">
+              <a:latin typeface="Consolas" panose="020B0609020204030204" pitchFamily="49" charset="0"/>
+            </a:endParaRPr>
+          </a:p>
+          <a:p>
+            <a:r>
+              <a:rPr lang="en-US" sz="900" smtClean="0">
+                <a:latin typeface="Consolas" panose="020B0609020204030204" pitchFamily="49" charset="0"/>
+              </a:rPr>
+              <a:t>shuffled_rows &lt;- sample(nrow(diamonds</a:t>
+            </a:r>
+            <a:r>
+              <a:rPr lang="en-US" sz="900" smtClean="0">
+                <a:latin typeface="Consolas" panose="020B0609020204030204" pitchFamily="49" charset="0"/>
+              </a:rPr>
+              <a:t>))</a:t>
+            </a:r>
+          </a:p>
+          <a:p>
+            <a:endParaRPr lang="en-US" sz="900">
+              <a:latin typeface="Consolas" panose="020B0609020204030204" pitchFamily="49" charset="0"/>
+            </a:endParaRPr>
+          </a:p>
+          <a:p>
+            <a:r>
+              <a:rPr lang="en-US" sz="900" smtClean="0">
+                <a:latin typeface="Consolas" panose="020B0609020204030204" pitchFamily="49" charset="0"/>
+              </a:rPr>
+              <a:t>shuffled_data </a:t>
+            </a:r>
+            <a:r>
+              <a:rPr lang="en-US" sz="900" smtClean="0">
+                <a:latin typeface="Consolas" panose="020B0609020204030204" pitchFamily="49" charset="0"/>
+              </a:rPr>
+              <a:t>&lt;-diamonds[shuffled_rows</a:t>
+            </a:r>
+            <a:r>
+              <a:rPr lang="en-US" sz="900" smtClean="0">
+                <a:latin typeface="Consolas" panose="020B0609020204030204" pitchFamily="49" charset="0"/>
+              </a:rPr>
+              <a:t>, ]</a:t>
+            </a:r>
+          </a:p>
+        </p:txBody>
+      </p:sp>
+      <p:sp>
+        <p:nvSpPr>
+          <p:cNvPr id="47" name="TextBox 46"/>
+          <p:cNvSpPr txBox="1"/>
+          <p:nvPr/>
+        </p:nvSpPr>
+        <p:spPr>
+          <a:xfrm>
+            <a:off x="4646104" y="5117948"/>
+            <a:ext cx="3698531" cy="815608"/>
+          </a:xfrm>
+          <a:prstGeom prst="rect">
+            <a:avLst/>
+          </a:prstGeom>
+          <a:solidFill>
+            <a:schemeClr val="accent2">
+              <a:lumMod val="20000"/>
+              <a:lumOff val="80000"/>
+            </a:schemeClr>
+          </a:solidFill>
+        </p:spPr>
+        <p:txBody>
+          <a:bodyPr wrap="square" rtlCol="0">
+            <a:spAutoFit/>
+          </a:bodyPr>
+          <a:lstStyle>
+            <a:defPPr>
+              <a:defRPr lang="en-US"/>
+            </a:defPPr>
+            <a:lvl1pPr>
+              <a:defRPr sz="1000">
+                <a:latin typeface="Consolas" panose="020B0609020204030204" pitchFamily="49" charset="0"/>
+              </a:defRPr>
+            </a:lvl1pPr>
+          </a:lstStyle>
+          <a:p>
+            <a:r>
+              <a:rPr lang="en-US" sz="900"/>
+              <a:t>split </a:t>
+            </a:r>
+            <a:r>
+              <a:rPr lang="en-US" sz="900" smtClean="0"/>
+              <a:t>&lt;- round(nrow(diamonds</a:t>
+            </a:r>
+            <a:r>
+              <a:rPr lang="en-US" sz="900"/>
+              <a:t>) * 0.8)</a:t>
+            </a:r>
+          </a:p>
+          <a:p>
+            <a:endParaRPr lang="en-US" sz="900"/>
+          </a:p>
+          <a:p>
+            <a:r>
+              <a:rPr lang="en-US" sz="900"/>
+              <a:t>diamonds_train </a:t>
+            </a:r>
+            <a:r>
+              <a:rPr lang="en-US" sz="900" smtClean="0"/>
+              <a:t>&lt;- shuffled_data[1:split</a:t>
+            </a:r>
+            <a:r>
+              <a:rPr lang="en-US" sz="900"/>
+              <a:t>, ]</a:t>
+            </a:r>
+          </a:p>
+          <a:p>
+            <a:endParaRPr lang="en-US" sz="900"/>
+          </a:p>
+          <a:p>
+            <a:r>
+              <a:rPr lang="en-US" sz="900"/>
+              <a:t>diamonds_test </a:t>
+            </a:r>
+            <a:r>
+              <a:rPr lang="en-US" sz="900" smtClean="0"/>
+              <a:t>&lt;- shuffled</a:t>
+            </a:r>
+            <a:r>
+              <a:rPr lang="en-US" sz="900"/>
+              <a:t>[(split + 1):nrow(diamonds), ]</a:t>
+            </a:r>
+          </a:p>
+        </p:txBody>
+      </p:sp>
+      <p:sp>
+        <p:nvSpPr>
+          <p:cNvPr id="48" name="TextBox 47"/>
+          <p:cNvSpPr txBox="1"/>
+          <p:nvPr/>
+        </p:nvSpPr>
+        <p:spPr>
+          <a:xfrm>
+            <a:off x="8627030" y="5133337"/>
+            <a:ext cx="3096205" cy="784830"/>
+          </a:xfrm>
+          <a:prstGeom prst="rect">
+            <a:avLst/>
+          </a:prstGeom>
+          <a:solidFill>
+            <a:schemeClr val="accent2">
+              <a:lumMod val="20000"/>
+              <a:lumOff val="80000"/>
+            </a:schemeClr>
+          </a:solidFill>
+        </p:spPr>
+        <p:txBody>
+          <a:bodyPr wrap="square" rtlCol="0">
+            <a:spAutoFit/>
+          </a:bodyPr>
+          <a:lstStyle>
+            <a:defPPr>
+              <a:defRPr lang="en-US"/>
+            </a:defPPr>
+            <a:lvl1pPr>
+              <a:defRPr sz="1000">
+                <a:latin typeface="Consolas" panose="020B0609020204030204" pitchFamily="49" charset="0"/>
+              </a:defRPr>
+            </a:lvl1pPr>
+          </a:lstStyle>
+          <a:p>
+            <a:r>
+              <a:rPr lang="en-US" sz="900"/>
+              <a:t>diamonds_model </a:t>
+            </a:r>
+            <a:r>
+              <a:rPr lang="en-US" sz="900" smtClean="0"/>
+              <a:t>&lt;-</a:t>
+            </a:r>
+          </a:p>
+          <a:p>
+            <a:r>
+              <a:rPr lang="en-US" sz="900"/>
+              <a:t>	</a:t>
+            </a:r>
+            <a:r>
+              <a:rPr lang="en-US" sz="900" smtClean="0"/>
+              <a:t>lm(price </a:t>
+            </a:r>
+            <a:r>
+              <a:rPr lang="en-US" sz="900"/>
+              <a:t>~ ., diamonds_train)</a:t>
+            </a:r>
+          </a:p>
+          <a:p>
+            <a:endParaRPr lang="en-US" sz="900"/>
+          </a:p>
+          <a:p>
+            <a:r>
+              <a:rPr lang="en-US" sz="900"/>
+              <a:t>diamonds_predict </a:t>
+            </a:r>
+            <a:r>
+              <a:rPr lang="en-US" sz="900" smtClean="0"/>
+              <a:t>&lt;-</a:t>
+            </a:r>
+          </a:p>
+          <a:p>
+            <a:r>
+              <a:rPr lang="en-US" sz="900"/>
+              <a:t>	</a:t>
+            </a:r>
+            <a:r>
+              <a:rPr lang="en-US" sz="900" smtClean="0"/>
+              <a:t>predict(diamonds_model</a:t>
+            </a:r>
+            <a:r>
+              <a:rPr lang="en-US" sz="900"/>
+              <a:t>, diamonds_test)</a:t>
+            </a:r>
+          </a:p>
+        </p:txBody>
+      </p:sp>
+      <p:sp>
+        <p:nvSpPr>
+          <p:cNvPr id="50" name="TextBox 49"/>
+          <p:cNvSpPr txBox="1"/>
+          <p:nvPr/>
+        </p:nvSpPr>
+        <p:spPr>
+          <a:xfrm>
+            <a:off x="5863797" y="6029667"/>
+            <a:ext cx="4095993" cy="507831"/>
+          </a:xfrm>
+          <a:prstGeom prst="rect">
+            <a:avLst/>
+          </a:prstGeom>
+          <a:solidFill>
+            <a:schemeClr val="accent2">
+              <a:lumMod val="20000"/>
+              <a:lumOff val="80000"/>
+            </a:schemeClr>
+          </a:solidFill>
+        </p:spPr>
+        <p:txBody>
           <a:bodyPr wrap="none" rtlCol="0">
             <a:spAutoFit/>
           </a:bodyPr>
+          <a:lstStyle>
+            <a:defPPr>
+              <a:defRPr lang="en-US"/>
+            </a:defPPr>
+            <a:lvl1pPr>
+              <a:defRPr sz="900">
+                <a:latin typeface="Consolas" panose="020B0609020204030204" pitchFamily="49" charset="0"/>
+              </a:defRPr>
+            </a:lvl1pPr>
+          </a:lstStyle>
+          <a:p>
+            <a:r>
+              <a:rPr lang="en-US"/>
+              <a:t>out_of_sample_error &lt;- diamonds_predict – diamonds_test$price</a:t>
+            </a:r>
+          </a:p>
+          <a:p>
+            <a:endParaRPr lang="en-US"/>
+          </a:p>
+          <a:p>
+            <a:r>
+              <a:rPr lang="en-US"/>
+              <a:t>out_of_sample_rmse &lt;- sqrt(mean(out_of_sample_error ^ 2))</a:t>
+            </a:r>
+          </a:p>
+        </p:txBody>
+      </p:sp>
+      <p:sp>
+        <p:nvSpPr>
+          <p:cNvPr id="51" name="Right Arrow 50"/>
+          <p:cNvSpPr/>
+          <p:nvPr/>
+        </p:nvSpPr>
+        <p:spPr>
+          <a:xfrm>
+            <a:off x="4439474" y="5452014"/>
+            <a:ext cx="150455" cy="147476"/>
+          </a:xfrm>
+          <a:prstGeom prst="rightArrow">
+            <a:avLst/>
+          </a:prstGeom>
+        </p:spPr>
+        <p:style>
+          <a:lnRef idx="0">
+            <a:schemeClr val="accent3"/>
+          </a:lnRef>
+          <a:fillRef idx="3">
+            <a:schemeClr val="accent3"/>
+          </a:fillRef>
+          <a:effectRef idx="3">
+            <a:schemeClr val="accent3"/>
+          </a:effectRef>
+          <a:fontRef idx="minor">
+            <a:schemeClr val="lt1"/>
+          </a:fontRef>
+        </p:style>
+        <p:txBody>
+          <a:bodyPr rtlCol="0" anchor="ctr"/>
           <a:lstStyle/>
           <a:p>
-            <a:r>
-              <a:rPr lang="en-US" sz="1100" smtClean="0">
-                <a:latin typeface="Consolas" panose="020B0609020204030204" pitchFamily="49" charset="0"/>
-              </a:rPr>
-              <a:t>model &lt;- lm(price ~ ., diamonds)</a:t>
-            </a:r>
-          </a:p>
-          <a:p>
-            <a:endParaRPr lang="en-US" sz="1100">
-              <a:latin typeface="Consolas" panose="020B0609020204030204" pitchFamily="49" charset="0"/>
-            </a:endParaRPr>
-          </a:p>
-          <a:p>
-            <a:r>
-              <a:rPr lang="en-US" sz="1100" smtClean="0">
-                <a:latin typeface="Consolas" panose="020B0609020204030204" pitchFamily="49" charset="0"/>
-              </a:rPr>
-              <a:t>predictions &lt;- predict(model, diamonds)</a:t>
-            </a:r>
-          </a:p>
-          <a:p>
-            <a:endParaRPr lang="en-US" sz="1100">
-              <a:latin typeface="Consolas" panose="020B0609020204030204" pitchFamily="49" charset="0"/>
-            </a:endParaRPr>
-          </a:p>
-          <a:p>
-            <a:r>
-              <a:rPr lang="en-US" sz="1100" smtClean="0">
-                <a:latin typeface="Consolas" panose="020B0609020204030204" pitchFamily="49" charset="0"/>
-              </a:rPr>
-              <a:t>errors &lt;- predictions – diamonds$price</a:t>
-            </a:r>
-          </a:p>
-          <a:p>
-            <a:endParaRPr lang="en-US" sz="1100">
-              <a:latin typeface="Consolas" panose="020B0609020204030204" pitchFamily="49" charset="0"/>
-            </a:endParaRPr>
-          </a:p>
-          <a:p>
-            <a:r>
-              <a:rPr lang="en-US" sz="1100" smtClean="0">
-                <a:latin typeface="Consolas" panose="020B0609020204030204" pitchFamily="49" charset="0"/>
-              </a:rPr>
-              <a:t>model_rmse &lt;- sqrt(mean(error ^2))</a:t>
-            </a:r>
+            <a:pPr algn="ctr"/>
+            <a:endParaRPr lang="en-US"/>
+          </a:p>
+        </p:txBody>
+      </p:sp>
+      <p:sp>
+        <p:nvSpPr>
+          <p:cNvPr id="52" name="Right Arrow 51"/>
+          <p:cNvSpPr/>
+          <p:nvPr/>
+        </p:nvSpPr>
+        <p:spPr>
+          <a:xfrm>
+            <a:off x="8410384" y="5452014"/>
+            <a:ext cx="150455" cy="147476"/>
+          </a:xfrm>
+          <a:prstGeom prst="rightArrow">
+            <a:avLst/>
+          </a:prstGeom>
+        </p:spPr>
+        <p:style>
+          <a:lnRef idx="0">
+            <a:schemeClr val="accent3"/>
+          </a:lnRef>
+          <a:fillRef idx="3">
+            <a:schemeClr val="accent3"/>
+          </a:fillRef>
+          <a:effectRef idx="3">
+            <a:schemeClr val="accent3"/>
+          </a:effectRef>
+          <a:fontRef idx="minor">
+            <a:schemeClr val="lt1"/>
+          </a:fontRef>
+        </p:style>
+        <p:txBody>
+          <a:bodyPr rtlCol="0" anchor="ctr"/>
+          <a:lstStyle/>
+          <a:p>
+            <a:pPr algn="ctr"/>
+            <a:endParaRPr lang="en-US"/>
+          </a:p>
+        </p:txBody>
+      </p:sp>
+      <p:sp>
+        <p:nvSpPr>
+          <p:cNvPr id="53" name="Bent-Up Arrow 52"/>
+          <p:cNvSpPr/>
+          <p:nvPr/>
+        </p:nvSpPr>
+        <p:spPr>
+          <a:xfrm rot="5400000" flipV="1">
+            <a:off x="10027211" y="6063847"/>
+            <a:ext cx="295841" cy="248025"/>
+          </a:xfrm>
+          <a:prstGeom prst="bentUpArrow">
+            <a:avLst>
+              <a:gd name="adj1" fmla="val 28226"/>
+              <a:gd name="adj2" fmla="val 25000"/>
+              <a:gd name="adj3" fmla="val 47580"/>
+            </a:avLst>
+          </a:prstGeom>
+        </p:spPr>
+        <p:style>
+          <a:lnRef idx="0">
+            <a:schemeClr val="accent3"/>
+          </a:lnRef>
+          <a:fillRef idx="3">
+            <a:schemeClr val="accent3"/>
+          </a:fillRef>
+          <a:effectRef idx="3">
+            <a:schemeClr val="accent3"/>
+          </a:effectRef>
+          <a:fontRef idx="minor">
+            <a:schemeClr val="lt1"/>
+          </a:fontRef>
+        </p:style>
+        <p:txBody>
+          <a:bodyPr rtlCol="0" anchor="ctr"/>
+          <a:lstStyle/>
+          <a:p>
+            <a:pPr algn="ctr"/>
+            <a:endParaRPr lang="en-US"/>
           </a:p>
         </p:txBody>
       </p:sp>
@@ -4647,7 +5821,7 @@
         </p:nvSpPr>
         <p:spPr>
           <a:xfrm>
-            <a:off x="1371600" y="685801"/>
+            <a:off x="1371600" y="365760"/>
             <a:ext cx="9601200" cy="571500"/>
           </a:xfrm>
         </p:spPr>
@@ -4661,7 +5835,7 @@
               <a:rPr lang="en-US" smtClean="0">
                 <a:latin typeface="Arial Rounded MT Bold" panose="020F0704030504030204" pitchFamily="34" charset="0"/>
               </a:rPr>
-              <a:t>Out-of-Sample RMSE</a:t>
+              <a:t>Cross Validation</a:t>
             </a:r>
             <a:endParaRPr lang="en-US" dirty="0">
               <a:latin typeface="Arial Rounded MT Bold" panose="020F0704030504030204" pitchFamily="34" charset="0"/>
@@ -4677,8 +5851,8 @@
         </p:nvSpPr>
         <p:spPr>
           <a:xfrm>
-            <a:off x="1371600" y="1380565"/>
-            <a:ext cx="9746766" cy="1754326"/>
+            <a:off x="1371599" y="1097280"/>
+            <a:ext cx="10351636" cy="600164"/>
           </a:xfrm>
           <a:prstGeom prst="rect">
             <a:avLst/>
@@ -4692,43 +5866,505 @@
           <a:lstStyle/>
           <a:p>
             <a:r>
-              <a:rPr lang="en-US" sz="1200" smtClean="0"/>
-              <a:t>One way to take a train/test split of a dataset is to order the dataset randomly, then divide it into the two sets. This ensures that the training/test are both random samples and that any biases in the ordering of the dataset are not retained in the sample we take for training and testing your models.</a:t>
-            </a:r>
-          </a:p>
-          <a:p>
-            <a:endParaRPr lang="en-US" sz="1200"/>
-          </a:p>
-          <a:p>
-            <a:r>
-              <a:rPr lang="en-US" sz="1200" smtClean="0"/>
-              <a:t>Once the dataset in randomized, split the first 80% of the dataset into a training set and the remaining 20% into a test set.</a:t>
-            </a:r>
-          </a:p>
-          <a:p>
-            <a:endParaRPr lang="en-US" sz="1200"/>
-          </a:p>
-          <a:p>
-            <a:r>
-              <a:rPr lang="en-US" sz="1200" smtClean="0"/>
-              <a:t>The next step is to building a linear regression model – using lm() – on your training data and the use predict() to make predictions on your test data.</a:t>
-            </a:r>
-          </a:p>
-          <a:p>
-            <a:endParaRPr lang="en-US" sz="1200"/>
-          </a:p>
-          <a:p>
-            <a:r>
-              <a:rPr lang="en-US" sz="1200" smtClean="0"/>
-              <a:t>The final step is to calculate the error on the predictions. The RMSE of these prediction errors is called to the out-of-sample RMSE. Compare the out-of-sample RMSE to the in-sample RMSE in order to assess the extent of over-fitting in the in-sample model.</a:t>
-            </a:r>
-            <a:endParaRPr lang="en-US" sz="1200" smtClean="0"/>
-          </a:p>
-        </p:txBody>
-      </p:sp>
-      <p:sp>
-        <p:nvSpPr>
-          <p:cNvPr id="17" name="Title 1"/>
+              <a:rPr lang="en-US" sz="1100">
+                <a:latin typeface="Calibri" panose="020F0502020204030204" pitchFamily="34" charset="0"/>
+                <a:cs typeface="Calibri" panose="020F0502020204030204" pitchFamily="34" charset="0"/>
+              </a:rPr>
+              <a:t>Cross validation is a method that yields multiple estimates of RMSE for a single dataset. This is accomplished by using multiple test sets rather than a single random train / test split.</a:t>
+            </a:r>
+          </a:p>
+          <a:p>
+            <a:endParaRPr lang="en-US" sz="1100">
+              <a:latin typeface="Calibri" panose="020F0502020204030204" pitchFamily="34" charset="0"/>
+              <a:cs typeface="Calibri" panose="020F0502020204030204" pitchFamily="34" charset="0"/>
+            </a:endParaRPr>
+          </a:p>
+          <a:p>
+            <a:r>
+              <a:rPr lang="en-US" sz="1100">
+                <a:latin typeface="Calibri" panose="020F0502020204030204" pitchFamily="34" charset="0"/>
+                <a:cs typeface="Calibri" panose="020F0502020204030204" pitchFamily="34" charset="0"/>
+              </a:rPr>
+              <a:t>The model you fit with train() has the exact same interface as the predict() function that was used the linear regression </a:t>
+            </a:r>
+            <a:r>
+              <a:rPr lang="en-US" sz="1100">
+                <a:latin typeface="Calibri" panose="020F0502020204030204" pitchFamily="34" charset="0"/>
+                <a:cs typeface="Calibri" panose="020F0502020204030204" pitchFamily="34" charset="0"/>
+              </a:rPr>
+              <a:t>model</a:t>
+            </a:r>
+            <a:r>
+              <a:rPr lang="en-US" sz="1100" smtClean="0">
+                <a:latin typeface="Calibri" panose="020F0502020204030204" pitchFamily="34" charset="0"/>
+                <a:cs typeface="Calibri" panose="020F0502020204030204" pitchFamily="34" charset="0"/>
+              </a:rPr>
+              <a:t>.</a:t>
+            </a:r>
+            <a:endParaRPr lang="en-US" sz="1100">
+              <a:latin typeface="Calibri" panose="020F0502020204030204" pitchFamily="34" charset="0"/>
+              <a:cs typeface="Calibri" panose="020F0502020204030204" pitchFamily="34" charset="0"/>
+            </a:endParaRPr>
+          </a:p>
+        </p:txBody>
+      </p:sp>
+      <p:cxnSp>
+        <p:nvCxnSpPr>
+          <p:cNvPr id="20" name="Straight Connector 19"/>
+          <p:cNvCxnSpPr>
+            <a:stCxn id="21" idx="3"/>
+          </p:cNvCxnSpPr>
+          <p:nvPr/>
+        </p:nvCxnSpPr>
+        <p:spPr>
+          <a:xfrm>
+            <a:off x="4159624" y="1852866"/>
+            <a:ext cx="7458633" cy="30777"/>
+          </a:xfrm>
+          <a:prstGeom prst="line">
+            <a:avLst/>
+          </a:prstGeom>
+        </p:spPr>
+        <p:style>
+          <a:lnRef idx="1">
+            <a:schemeClr val="accent1"/>
+          </a:lnRef>
+          <a:fillRef idx="0">
+            <a:schemeClr val="accent1"/>
+          </a:fillRef>
+          <a:effectRef idx="0">
+            <a:schemeClr val="accent1"/>
+          </a:effectRef>
+          <a:fontRef idx="minor">
+            <a:schemeClr val="tx1"/>
+          </a:fontRef>
+        </p:style>
+      </p:cxnSp>
+      <p:sp>
+        <p:nvSpPr>
+          <p:cNvPr id="21" name="TextBox 20"/>
+          <p:cNvSpPr txBox="1"/>
+          <p:nvPr/>
+        </p:nvSpPr>
+        <p:spPr>
+          <a:xfrm>
+            <a:off x="1371599" y="1698977"/>
+            <a:ext cx="2788025" cy="307777"/>
+          </a:xfrm>
+          <a:prstGeom prst="rect">
+            <a:avLst/>
+          </a:prstGeom>
+          <a:noFill/>
+        </p:spPr>
+        <p:txBody>
+          <a:bodyPr wrap="square" rtlCol="0">
+            <a:spAutoFit/>
+          </a:bodyPr>
+          <a:lstStyle/>
+          <a:p>
+            <a:r>
+              <a:rPr lang="en-US" sz="1400" b="1" dirty="0">
+                <a:solidFill>
+                  <a:srgbClr val="0070C0"/>
+                </a:solidFill>
+              </a:rPr>
+              <a:t>Applied </a:t>
+            </a:r>
+            <a:r>
+              <a:rPr lang="en-US" sz="1400" b="1">
+                <a:solidFill>
+                  <a:srgbClr val="0070C0"/>
+                </a:solidFill>
+              </a:rPr>
+              <a:t>R </a:t>
+            </a:r>
+            <a:r>
+              <a:rPr lang="en-US" sz="1400" b="1" smtClean="0">
+                <a:solidFill>
+                  <a:srgbClr val="0070C0"/>
+                </a:solidFill>
+              </a:rPr>
+              <a:t>(10-fold cross validation)</a:t>
+            </a:r>
+            <a:endParaRPr lang="en-US" sz="1400" b="1" dirty="0">
+              <a:solidFill>
+                <a:srgbClr val="0070C0"/>
+              </a:solidFill>
+            </a:endParaRPr>
+          </a:p>
+        </p:txBody>
+      </p:sp>
+      <p:sp>
+        <p:nvSpPr>
+          <p:cNvPr id="27" name="TextBox 26"/>
+          <p:cNvSpPr txBox="1"/>
+          <p:nvPr/>
+        </p:nvSpPr>
+        <p:spPr>
+          <a:xfrm>
+            <a:off x="1598280" y="2066519"/>
+            <a:ext cx="2723823" cy="2169825"/>
+          </a:xfrm>
+          <a:prstGeom prst="rect">
+            <a:avLst/>
+          </a:prstGeom>
+          <a:solidFill>
+            <a:schemeClr val="accent2">
+              <a:lumMod val="20000"/>
+              <a:lumOff val="80000"/>
+            </a:schemeClr>
+          </a:solidFill>
+        </p:spPr>
+        <p:txBody>
+          <a:bodyPr wrap="none" rtlCol="0">
+            <a:spAutoFit/>
+          </a:bodyPr>
+          <a:lstStyle/>
+          <a:p>
+            <a:r>
+              <a:rPr lang="en-US" sz="900" smtClean="0">
+                <a:latin typeface="Consolas" panose="020B0609020204030204" pitchFamily="49" charset="0"/>
+              </a:rPr>
+              <a:t>set.seed(42)</a:t>
+            </a:r>
+          </a:p>
+          <a:p>
+            <a:endParaRPr lang="en-US" sz="900">
+              <a:latin typeface="Consolas" panose="020B0609020204030204" pitchFamily="49" charset="0"/>
+            </a:endParaRPr>
+          </a:p>
+          <a:p>
+            <a:r>
+              <a:rPr lang="en-US" sz="900" smtClean="0">
+                <a:latin typeface="Consolas" panose="020B0609020204030204" pitchFamily="49" charset="0"/>
+              </a:rPr>
+              <a:t>model &lt;- train(</a:t>
+            </a:r>
+          </a:p>
+          <a:p>
+            <a:r>
+              <a:rPr lang="en-US" sz="900">
+                <a:latin typeface="Consolas" panose="020B0609020204030204" pitchFamily="49" charset="0"/>
+              </a:rPr>
+              <a:t>	</a:t>
+            </a:r>
+            <a:r>
+              <a:rPr lang="en-US" sz="900" smtClean="0">
+                <a:latin typeface="Consolas" panose="020B0609020204030204" pitchFamily="49" charset="0"/>
+              </a:rPr>
+              <a:t>	price ~.,</a:t>
+            </a:r>
+          </a:p>
+          <a:p>
+            <a:r>
+              <a:rPr lang="en-US" sz="900" smtClean="0">
+                <a:latin typeface="Consolas" panose="020B0609020204030204" pitchFamily="49" charset="0"/>
+              </a:rPr>
+              <a:t>		diamonds,</a:t>
+            </a:r>
+          </a:p>
+          <a:p>
+            <a:r>
+              <a:rPr lang="en-US" sz="900" smtClean="0">
+                <a:latin typeface="Consolas" panose="020B0609020204030204" pitchFamily="49" charset="0"/>
+              </a:rPr>
+              <a:t>		method = “lm”,</a:t>
+            </a:r>
+          </a:p>
+          <a:p>
+            <a:r>
+              <a:rPr lang="en-US" sz="900">
+                <a:latin typeface="Consolas" panose="020B0609020204030204" pitchFamily="49" charset="0"/>
+              </a:rPr>
+              <a:t>	</a:t>
+            </a:r>
+            <a:r>
+              <a:rPr lang="en-US" sz="900" smtClean="0">
+                <a:latin typeface="Consolas" panose="020B0609020204030204" pitchFamily="49" charset="0"/>
+              </a:rPr>
+              <a:t>	trControl = trainControl(</a:t>
+            </a:r>
+          </a:p>
+          <a:p>
+            <a:r>
+              <a:rPr lang="en-US" sz="900">
+                <a:latin typeface="Consolas" panose="020B0609020204030204" pitchFamily="49" charset="0"/>
+              </a:rPr>
+              <a:t>	</a:t>
+            </a:r>
+            <a:r>
+              <a:rPr lang="en-US" sz="900" smtClean="0">
+                <a:latin typeface="Consolas" panose="020B0609020204030204" pitchFamily="49" charset="0"/>
+              </a:rPr>
+              <a:t>		method = “cv”,</a:t>
+            </a:r>
+          </a:p>
+          <a:p>
+            <a:r>
+              <a:rPr lang="en-US" sz="900">
+                <a:latin typeface="Consolas" panose="020B0609020204030204" pitchFamily="49" charset="0"/>
+              </a:rPr>
+              <a:t>	</a:t>
+            </a:r>
+            <a:r>
+              <a:rPr lang="en-US" sz="900" smtClean="0">
+                <a:latin typeface="Consolas" panose="020B0609020204030204" pitchFamily="49" charset="0"/>
+              </a:rPr>
+              <a:t>		number = 10</a:t>
+            </a:r>
+            <a:r>
+              <a:rPr lang="en-US" sz="900" smtClean="0">
+                <a:latin typeface="Consolas" panose="020B0609020204030204" pitchFamily="49" charset="0"/>
+              </a:rPr>
+              <a:t>,</a:t>
+            </a:r>
+          </a:p>
+          <a:p>
+            <a:r>
+              <a:rPr lang="en-US" sz="900">
+                <a:latin typeface="Consolas" panose="020B0609020204030204" pitchFamily="49" charset="0"/>
+              </a:rPr>
+              <a:t>	</a:t>
+            </a:r>
+            <a:r>
+              <a:rPr lang="en-US" sz="900" smtClean="0">
+                <a:latin typeface="Consolas" panose="020B0609020204030204" pitchFamily="49" charset="0"/>
+              </a:rPr>
+              <a:t>		repeat = 5,</a:t>
+            </a:r>
+            <a:endParaRPr lang="en-US" sz="900" smtClean="0">
+              <a:latin typeface="Consolas" panose="020B0609020204030204" pitchFamily="49" charset="0"/>
+            </a:endParaRPr>
+          </a:p>
+          <a:p>
+            <a:r>
+              <a:rPr lang="en-US" sz="900" smtClean="0">
+                <a:latin typeface="Consolas" panose="020B0609020204030204" pitchFamily="49" charset="0"/>
+              </a:rPr>
+              <a:t>			verboseIter = TRUE</a:t>
+            </a:r>
+          </a:p>
+          <a:p>
+            <a:r>
+              <a:rPr lang="en-US" sz="900">
+                <a:latin typeface="Consolas" panose="020B0609020204030204" pitchFamily="49" charset="0"/>
+              </a:rPr>
+              <a:t>	</a:t>
+            </a:r>
+            <a:r>
+              <a:rPr lang="en-US" sz="900" smtClean="0">
+                <a:latin typeface="Consolas" panose="020B0609020204030204" pitchFamily="49" charset="0"/>
+              </a:rPr>
+              <a:t>		)</a:t>
+            </a:r>
+          </a:p>
+          <a:p>
+            <a:r>
+              <a:rPr lang="en-US" sz="900">
+                <a:latin typeface="Consolas" panose="020B0609020204030204" pitchFamily="49" charset="0"/>
+              </a:rPr>
+              <a:t>		</a:t>
+            </a:r>
+            <a:r>
+              <a:rPr lang="en-US" sz="900" smtClean="0">
+                <a:latin typeface="Consolas" panose="020B0609020204030204" pitchFamily="49" charset="0"/>
+              </a:rPr>
+              <a:t>)</a:t>
+            </a:r>
+          </a:p>
+          <a:p>
+            <a:endParaRPr lang="en-US" sz="900">
+              <a:latin typeface="Consolas" panose="020B0609020204030204" pitchFamily="49" charset="0"/>
+            </a:endParaRPr>
+          </a:p>
+          <a:p>
+            <a:r>
+              <a:rPr lang="en-US" sz="900" smtClean="0">
+                <a:latin typeface="Consolas" panose="020B0609020204030204" pitchFamily="49" charset="0"/>
+              </a:rPr>
+              <a:t>predict(model, diamonds)</a:t>
+            </a:r>
+            <a:endParaRPr lang="en-US" sz="900" smtClean="0">
+              <a:latin typeface="Consolas" panose="020B0609020204030204" pitchFamily="49" charset="0"/>
+            </a:endParaRPr>
+          </a:p>
+        </p:txBody>
+      </p:sp>
+      <p:sp>
+        <p:nvSpPr>
+          <p:cNvPr id="9" name="TextBox 8"/>
+          <p:cNvSpPr txBox="1"/>
+          <p:nvPr/>
+        </p:nvSpPr>
+        <p:spPr>
+          <a:xfrm>
+            <a:off x="4619708" y="2006754"/>
+            <a:ext cx="6998549" cy="4539704"/>
+          </a:xfrm>
+          <a:prstGeom prst="rect">
+            <a:avLst/>
+          </a:prstGeom>
+          <a:noFill/>
+        </p:spPr>
+        <p:txBody>
+          <a:bodyPr wrap="square" rtlCol="0">
+            <a:spAutoFit/>
+          </a:bodyPr>
+          <a:lstStyle/>
+          <a:p>
+            <a:r>
+              <a:rPr lang="en-US" sz="1100" b="1" smtClean="0">
+                <a:latin typeface="Calibri" panose="020F0502020204030204" pitchFamily="34" charset="0"/>
+                <a:cs typeface="Calibri" panose="020F0502020204030204" pitchFamily="34" charset="0"/>
+              </a:rPr>
+              <a:t>Using the StockData.xlsx dataset, answer the following questions below. For each question first develop your solution in Excel and then verify your results in R.</a:t>
+            </a:r>
+          </a:p>
+          <a:p>
+            <a:endParaRPr lang="en-US" sz="1100">
+              <a:latin typeface="Calibri" panose="020F0502020204030204" pitchFamily="34" charset="0"/>
+              <a:cs typeface="Calibri" panose="020F0502020204030204" pitchFamily="34" charset="0"/>
+            </a:endParaRPr>
+          </a:p>
+          <a:p>
+            <a:pPr marL="228600" indent="-228600">
+              <a:spcAft>
+                <a:spcPts val="1200"/>
+              </a:spcAft>
+              <a:buAutoNum type="arabicParenR"/>
+            </a:pPr>
+            <a:r>
+              <a:rPr lang="en-US" sz="1100" smtClean="0">
+                <a:latin typeface="Calibri" panose="020F0502020204030204" pitchFamily="34" charset="0"/>
+                <a:cs typeface="Calibri" panose="020F0502020204030204" pitchFamily="34" charset="0"/>
+              </a:rPr>
+              <a:t>What is the intercept and slope of stock return regressed on benchmark return using the first 12 chronological return observations? What is the in-sample RMSE (IS-RMSE) of this regression?</a:t>
+            </a:r>
+          </a:p>
+          <a:p>
+            <a:pPr marL="228600" indent="-228600">
+              <a:spcAft>
+                <a:spcPts val="1200"/>
+              </a:spcAft>
+              <a:buAutoNum type="arabicParenR"/>
+            </a:pPr>
+            <a:r>
+              <a:rPr lang="en-US" sz="1100" smtClean="0">
+                <a:latin typeface="Calibri" panose="020F0502020204030204" pitchFamily="34" charset="0"/>
+                <a:cs typeface="Calibri" panose="020F0502020204030204" pitchFamily="34" charset="0"/>
+              </a:rPr>
+              <a:t>Using the regression in (1), make predictions about the subsequent 12 return observations. Show your predicted return, actual return, error, and out-of-sample RMSE (OS-RMSE). Show the comparison of OS-RMSE versus IS-RMSE.</a:t>
+            </a:r>
+          </a:p>
+          <a:p>
+            <a:pPr marL="228600" indent="-228600">
+              <a:spcAft>
+                <a:spcPts val="1200"/>
+              </a:spcAft>
+              <a:buAutoNum type="arabicParenR"/>
+            </a:pPr>
+            <a:r>
+              <a:rPr lang="en-US" sz="1100" smtClean="0">
+                <a:latin typeface="Calibri" panose="020F0502020204030204" pitchFamily="34" charset="0"/>
+                <a:cs typeface="Calibri" panose="020F0502020204030204" pitchFamily="34" charset="0"/>
+              </a:rPr>
+              <a:t>Repeat (1) using the first 24, 36, 48, and 60 chronological return observations. For (2), use the subsequent 12, 24, 36, and full test-set of return observations using the regression models developed in the first part of this question.</a:t>
+            </a:r>
+          </a:p>
+          <a:p>
+            <a:pPr marL="228600" indent="-228600">
+              <a:spcAft>
+                <a:spcPts val="1200"/>
+              </a:spcAft>
+              <a:buAutoNum type="arabicParenR"/>
+            </a:pPr>
+            <a:r>
+              <a:rPr lang="en-US" sz="1100" smtClean="0">
+                <a:latin typeface="Calibri" panose="020F0502020204030204" pitchFamily="34" charset="0"/>
+                <a:cs typeface="Calibri" panose="020F0502020204030204" pitchFamily="34" charset="0"/>
+              </a:rPr>
+              <a:t>Using the caret package, perform a 10-fold cross validation on the data. Experiment with set.seed and observe its connection to model reproducibility. How does 10-fold cross validation RMSE compare to the IS-RMSE and OS-RMSE calculated in all iterations of regression models developed in (1) – (3)?</a:t>
+            </a:r>
+          </a:p>
+          <a:p>
+            <a:pPr marL="228600" indent="-228600">
+              <a:spcAft>
+                <a:spcPts val="1200"/>
+              </a:spcAft>
+              <a:buAutoNum type="arabicParenR"/>
+            </a:pPr>
+            <a:r>
+              <a:rPr lang="en-US" sz="1100" smtClean="0">
+                <a:latin typeface="Calibri" panose="020F0502020204030204" pitchFamily="34" charset="0"/>
+                <a:cs typeface="Calibri" panose="020F0502020204030204" pitchFamily="34" charset="0"/>
+              </a:rPr>
+              <a:t>Repeat (4) with 5-fold cross validation and 5 x 5 cross validation. How does 5-fold and 5 x 5 cross validation RMSE compare to 10-fold and IS-RMSE / OS-RMSE computed in all questions above?</a:t>
+            </a:r>
+          </a:p>
+          <a:p>
+            <a:pPr marL="228600" indent="-228600">
+              <a:spcAft>
+                <a:spcPts val="1200"/>
+              </a:spcAft>
+              <a:buAutoNum type="arabicParenR"/>
+            </a:pPr>
+            <a:r>
+              <a:rPr lang="en-US" sz="1100" smtClean="0">
+                <a:latin typeface="Calibri" panose="020F0502020204030204" pitchFamily="34" charset="0"/>
+                <a:cs typeface="Calibri" panose="020F0502020204030204" pitchFamily="34" charset="0"/>
+              </a:rPr>
+              <a:t>Use the models developed in (4) and (5) to make predictions and show results in a similar fashion to (2).</a:t>
+            </a:r>
+          </a:p>
+          <a:p>
+            <a:pPr>
+              <a:spcAft>
+                <a:spcPts val="1200"/>
+              </a:spcAft>
+            </a:pPr>
+            <a:r>
+              <a:rPr lang="en-US" sz="1100" b="1" smtClean="0">
+                <a:latin typeface="Calibri" panose="020F0502020204030204" pitchFamily="34" charset="0"/>
+                <a:cs typeface="Calibri" panose="020F0502020204030204" pitchFamily="34" charset="0"/>
+              </a:rPr>
+              <a:t>BONUS QUESTIONS</a:t>
+            </a:r>
+          </a:p>
+          <a:p>
+            <a:pPr marL="228600" indent="-228600">
+              <a:spcAft>
+                <a:spcPts val="1200"/>
+              </a:spcAft>
+              <a:buAutoNum type="arabicParenR"/>
+            </a:pPr>
+            <a:r>
+              <a:rPr lang="en-US" sz="1100" smtClean="0">
+                <a:latin typeface="Calibri" panose="020F0502020204030204" pitchFamily="34" charset="0"/>
+                <a:cs typeface="Calibri" panose="020F0502020204030204" pitchFamily="34" charset="0"/>
+              </a:rPr>
+              <a:t>Can any of the analysis above be used to make money? If so how? If not, what are the issues with the model?</a:t>
+            </a:r>
+          </a:p>
+          <a:p>
+            <a:pPr marL="228600" indent="-228600">
+              <a:spcAft>
+                <a:spcPts val="1200"/>
+              </a:spcAft>
+              <a:buAutoNum type="arabicParenR"/>
+            </a:pPr>
+            <a:r>
+              <a:rPr lang="en-US" sz="1100" smtClean="0">
+                <a:latin typeface="Calibri" panose="020F0502020204030204" pitchFamily="34" charset="0"/>
+                <a:cs typeface="Calibri" panose="020F0502020204030204" pitchFamily="34" charset="0"/>
+              </a:rPr>
+              <a:t>Can you use n-fold cross validation in this analysis – specifically as it pertains to the caret package? What are some issues with applying caret to the model you’ve developed above? If there are issues, are there work-arounds?</a:t>
+            </a:r>
+          </a:p>
+        </p:txBody>
+      </p:sp>
+      <p:sp>
+        <p:nvSpPr>
+          <p:cNvPr id="31" name="Title 1"/>
           <p:cNvSpPr txBox="1">
             <a:spLocks/>
           </p:cNvSpPr>
@@ -4790,483 +6426,10 @@
           </a:p>
         </p:txBody>
       </p:sp>
-      <p:grpSp>
-        <p:nvGrpSpPr>
-          <p:cNvPr id="18" name="Group 17"/>
-          <p:cNvGrpSpPr/>
-          <p:nvPr/>
-        </p:nvGrpSpPr>
-        <p:grpSpPr>
-          <a:xfrm>
-            <a:off x="1371600" y="3392585"/>
-            <a:ext cx="9746766" cy="369332"/>
-            <a:chOff x="1279822" y="3765833"/>
-            <a:chExt cx="9746766" cy="369332"/>
-          </a:xfrm>
-        </p:grpSpPr>
-        <p:cxnSp>
-          <p:nvCxnSpPr>
-            <p:cNvPr id="20" name="Straight Connector 19"/>
-            <p:cNvCxnSpPr>
-              <a:stCxn id="21" idx="3"/>
-            </p:cNvCxnSpPr>
-            <p:nvPr/>
-          </p:nvCxnSpPr>
-          <p:spPr>
-            <a:xfrm>
-              <a:off x="9705077" y="3950499"/>
-              <a:ext cx="1321511" cy="0"/>
-            </a:xfrm>
-            <a:prstGeom prst="line">
-              <a:avLst/>
-            </a:prstGeom>
-          </p:spPr>
-          <p:style>
-            <a:lnRef idx="1">
-              <a:schemeClr val="accent1"/>
-            </a:lnRef>
-            <a:fillRef idx="0">
-              <a:schemeClr val="accent1"/>
-            </a:fillRef>
-            <a:effectRef idx="0">
-              <a:schemeClr val="accent1"/>
-            </a:effectRef>
-            <a:fontRef idx="minor">
-              <a:schemeClr val="tx1"/>
-            </a:fontRef>
-          </p:style>
-        </p:cxnSp>
-        <p:sp>
-          <p:nvSpPr>
-            <p:cNvPr id="21" name="TextBox 20"/>
-            <p:cNvSpPr txBox="1"/>
-            <p:nvPr/>
-          </p:nvSpPr>
-          <p:spPr>
-            <a:xfrm>
-              <a:off x="1279822" y="3765833"/>
-              <a:ext cx="8425255" cy="369332"/>
-            </a:xfrm>
-            <a:prstGeom prst="rect">
-              <a:avLst/>
-            </a:prstGeom>
-            <a:noFill/>
-          </p:spPr>
-          <p:txBody>
-            <a:bodyPr wrap="none" rtlCol="0">
-              <a:spAutoFit/>
-            </a:bodyPr>
-            <a:lstStyle/>
-            <a:p>
-              <a:r>
-                <a:rPr lang="en-US" b="1" dirty="0">
-                  <a:solidFill>
-                    <a:srgbClr val="00B0F0"/>
-                  </a:solidFill>
-                </a:rPr>
-                <a:t>Applied </a:t>
-              </a:r>
-              <a:r>
-                <a:rPr lang="en-US" b="1">
-                  <a:solidFill>
-                    <a:srgbClr val="00B0F0"/>
-                  </a:solidFill>
-                </a:rPr>
-                <a:t>R </a:t>
-              </a:r>
-              <a:r>
-                <a:rPr lang="en-US" b="1" smtClean="0">
-                  <a:solidFill>
-                    <a:srgbClr val="00B0F0"/>
-                  </a:solidFill>
-                </a:rPr>
-                <a:t>(Building a linear regression model and evaluating its out-of-sample RMSE)</a:t>
-              </a:r>
-              <a:endParaRPr lang="en-US" b="1" dirty="0">
-                <a:solidFill>
-                  <a:srgbClr val="00B0F0"/>
-                </a:solidFill>
-              </a:endParaRPr>
-            </a:p>
-          </p:txBody>
-        </p:sp>
-      </p:grpSp>
-      <p:sp>
-        <p:nvSpPr>
-          <p:cNvPr id="22" name="TextBox 21"/>
-          <p:cNvSpPr txBox="1"/>
-          <p:nvPr/>
-        </p:nvSpPr>
-        <p:spPr>
-          <a:xfrm>
-            <a:off x="1598280" y="3884377"/>
-            <a:ext cx="3416320" cy="938719"/>
-          </a:xfrm>
-          <a:prstGeom prst="rect">
-            <a:avLst/>
-          </a:prstGeom>
-          <a:solidFill>
-            <a:schemeClr val="accent2">
-              <a:lumMod val="20000"/>
-              <a:lumOff val="80000"/>
-            </a:schemeClr>
-          </a:solidFill>
-        </p:spPr>
-        <p:txBody>
-          <a:bodyPr wrap="none" rtlCol="0">
-            <a:spAutoFit/>
-          </a:bodyPr>
-          <a:lstStyle/>
-          <a:p>
-            <a:r>
-              <a:rPr lang="en-US" sz="1100" smtClean="0">
-                <a:latin typeface="Consolas" panose="020B0609020204030204" pitchFamily="49" charset="0"/>
-              </a:rPr>
-              <a:t>set.seed(42)</a:t>
-            </a:r>
-            <a:endParaRPr lang="en-US" sz="1100" smtClean="0">
-              <a:latin typeface="Consolas" panose="020B0609020204030204" pitchFamily="49" charset="0"/>
-            </a:endParaRPr>
-          </a:p>
-          <a:p>
-            <a:endParaRPr lang="en-US" sz="1100">
-              <a:latin typeface="Consolas" panose="020B0609020204030204" pitchFamily="49" charset="0"/>
-            </a:endParaRPr>
-          </a:p>
-          <a:p>
-            <a:r>
-              <a:rPr lang="en-US" sz="1100" smtClean="0">
-                <a:latin typeface="Consolas" panose="020B0609020204030204" pitchFamily="49" charset="0"/>
-              </a:rPr>
-              <a:t>shuffled_rows &lt;- sample(nrow(diamonds))</a:t>
-            </a:r>
-            <a:endParaRPr lang="en-US" sz="1100" smtClean="0">
-              <a:latin typeface="Consolas" panose="020B0609020204030204" pitchFamily="49" charset="0"/>
-            </a:endParaRPr>
-          </a:p>
-          <a:p>
-            <a:endParaRPr lang="en-US" sz="1100">
-              <a:latin typeface="Consolas" panose="020B0609020204030204" pitchFamily="49" charset="0"/>
-            </a:endParaRPr>
-          </a:p>
-          <a:p>
-            <a:r>
-              <a:rPr lang="en-US" sz="1100" smtClean="0">
-                <a:latin typeface="Consolas" panose="020B0609020204030204" pitchFamily="49" charset="0"/>
-              </a:rPr>
-              <a:t>shuffled_data &lt;- diamonds[shuffled_rows, ]</a:t>
-            </a:r>
-            <a:endParaRPr lang="en-US" sz="1100" smtClean="0">
-              <a:latin typeface="Consolas" panose="020B0609020204030204" pitchFamily="49" charset="0"/>
-            </a:endParaRPr>
-          </a:p>
-        </p:txBody>
-      </p:sp>
-      <p:sp>
-        <p:nvSpPr>
-          <p:cNvPr id="10" name="TextBox 9"/>
-          <p:cNvSpPr txBox="1"/>
-          <p:nvPr/>
-        </p:nvSpPr>
-        <p:spPr>
-          <a:xfrm>
-            <a:off x="1598280" y="5189274"/>
-            <a:ext cx="4416594" cy="938719"/>
-          </a:xfrm>
-          <a:prstGeom prst="rect">
-            <a:avLst/>
-          </a:prstGeom>
-          <a:solidFill>
-            <a:schemeClr val="accent2">
-              <a:lumMod val="20000"/>
-              <a:lumOff val="80000"/>
-            </a:schemeClr>
-          </a:solidFill>
-        </p:spPr>
-        <p:txBody>
-          <a:bodyPr wrap="none" rtlCol="0">
-            <a:spAutoFit/>
-          </a:bodyPr>
-          <a:lstStyle/>
-          <a:p>
-            <a:r>
-              <a:rPr lang="en-US" sz="1100" smtClean="0">
-                <a:latin typeface="Consolas" panose="020B0609020204030204" pitchFamily="49" charset="0"/>
-              </a:rPr>
-              <a:t>split &lt;- round(nrow(diamonds) * 0.8)</a:t>
-            </a:r>
-            <a:endParaRPr lang="en-US" sz="1100" smtClean="0">
-              <a:latin typeface="Consolas" panose="020B0609020204030204" pitchFamily="49" charset="0"/>
-            </a:endParaRPr>
-          </a:p>
-          <a:p>
-            <a:endParaRPr lang="en-US" sz="1100">
-              <a:latin typeface="Consolas" panose="020B0609020204030204" pitchFamily="49" charset="0"/>
-            </a:endParaRPr>
-          </a:p>
-          <a:p>
-            <a:r>
-              <a:rPr lang="en-US" sz="1100" smtClean="0">
-                <a:latin typeface="Consolas" panose="020B0609020204030204" pitchFamily="49" charset="0"/>
-              </a:rPr>
-              <a:t>diamonds_train &lt;- shuffled_data[1:split, ]</a:t>
-            </a:r>
-            <a:endParaRPr lang="en-US" sz="1100" smtClean="0">
-              <a:latin typeface="Consolas" panose="020B0609020204030204" pitchFamily="49" charset="0"/>
-            </a:endParaRPr>
-          </a:p>
-          <a:p>
-            <a:endParaRPr lang="en-US" sz="1100">
-              <a:latin typeface="Consolas" panose="020B0609020204030204" pitchFamily="49" charset="0"/>
-            </a:endParaRPr>
-          </a:p>
-          <a:p>
-            <a:r>
-              <a:rPr lang="en-US" sz="1100" smtClean="0">
-                <a:latin typeface="Consolas" panose="020B0609020204030204" pitchFamily="49" charset="0"/>
-              </a:rPr>
-              <a:t>diamonds_test &lt;- shuffled[(split + 1):nrow(diamonds), ]</a:t>
-            </a:r>
-            <a:endParaRPr lang="en-US" sz="1100" smtClean="0">
-              <a:latin typeface="Consolas" panose="020B0609020204030204" pitchFamily="49" charset="0"/>
-            </a:endParaRPr>
-          </a:p>
-        </p:txBody>
-      </p:sp>
-      <p:sp>
-        <p:nvSpPr>
-          <p:cNvPr id="6" name="Down Arrow 5"/>
-          <p:cNvSpPr/>
-          <p:nvPr/>
-        </p:nvSpPr>
-        <p:spPr>
-          <a:xfrm>
-            <a:off x="3306440" y="4889038"/>
-            <a:ext cx="197411" cy="249403"/>
-          </a:xfrm>
-          <a:prstGeom prst="downArrow">
-            <a:avLst/>
-          </a:prstGeom>
-        </p:spPr>
-        <p:style>
-          <a:lnRef idx="2">
-            <a:schemeClr val="accent1">
-              <a:shade val="50000"/>
-            </a:schemeClr>
-          </a:lnRef>
-          <a:fillRef idx="1">
-            <a:schemeClr val="accent1"/>
-          </a:fillRef>
-          <a:effectRef idx="0">
-            <a:schemeClr val="accent1"/>
-          </a:effectRef>
-          <a:fontRef idx="minor">
-            <a:schemeClr val="lt1"/>
-          </a:fontRef>
-        </p:style>
-        <p:txBody>
-          <a:bodyPr rtlCol="0" anchor="ctr"/>
-          <a:lstStyle/>
-          <a:p>
-            <a:pPr algn="ctr"/>
-            <a:endParaRPr lang="en-US"/>
-          </a:p>
-        </p:txBody>
-      </p:sp>
-      <p:sp>
-        <p:nvSpPr>
-          <p:cNvPr id="13" name="TextBox 12"/>
-          <p:cNvSpPr txBox="1"/>
-          <p:nvPr/>
-        </p:nvSpPr>
-        <p:spPr>
-          <a:xfrm>
-            <a:off x="6470940" y="5358551"/>
-            <a:ext cx="4647426" cy="600164"/>
-          </a:xfrm>
-          <a:prstGeom prst="rect">
-            <a:avLst/>
-          </a:prstGeom>
-          <a:solidFill>
-            <a:schemeClr val="accent2">
-              <a:lumMod val="20000"/>
-              <a:lumOff val="80000"/>
-            </a:schemeClr>
-          </a:solidFill>
-        </p:spPr>
-        <p:txBody>
-          <a:bodyPr wrap="none" rtlCol="0">
-            <a:spAutoFit/>
-          </a:bodyPr>
-          <a:lstStyle/>
-          <a:p>
-            <a:r>
-              <a:rPr lang="en-US" sz="1100" smtClean="0">
-                <a:latin typeface="Consolas" panose="020B0609020204030204" pitchFamily="49" charset="0"/>
-              </a:rPr>
-              <a:t>diamonds_model &lt;- lm(price ~ ., diamonds_train)</a:t>
-            </a:r>
-            <a:endParaRPr lang="en-US" sz="1100" smtClean="0">
-              <a:latin typeface="Consolas" panose="020B0609020204030204" pitchFamily="49" charset="0"/>
-            </a:endParaRPr>
-          </a:p>
-          <a:p>
-            <a:endParaRPr lang="en-US" sz="1100">
-              <a:latin typeface="Consolas" panose="020B0609020204030204" pitchFamily="49" charset="0"/>
-            </a:endParaRPr>
-          </a:p>
-          <a:p>
-            <a:r>
-              <a:rPr lang="en-US" sz="1100" smtClean="0">
-                <a:latin typeface="Consolas" panose="020B0609020204030204" pitchFamily="49" charset="0"/>
-              </a:rPr>
-              <a:t>diamonds_predict &lt;- predict(diamonds_model, diamonds_test)</a:t>
-            </a:r>
-            <a:endParaRPr lang="en-US" sz="1100" smtClean="0">
-              <a:latin typeface="Consolas" panose="020B0609020204030204" pitchFamily="49" charset="0"/>
-            </a:endParaRPr>
-          </a:p>
-        </p:txBody>
-      </p:sp>
-      <p:sp>
-        <p:nvSpPr>
-          <p:cNvPr id="14" name="Down Arrow 13"/>
-          <p:cNvSpPr/>
-          <p:nvPr/>
-        </p:nvSpPr>
-        <p:spPr>
-          <a:xfrm rot="16200000">
-            <a:off x="6166875" y="5533931"/>
-            <a:ext cx="197411" cy="249403"/>
-          </a:xfrm>
-          <a:prstGeom prst="downArrow">
-            <a:avLst/>
-          </a:prstGeom>
-        </p:spPr>
-        <p:style>
-          <a:lnRef idx="2">
-            <a:schemeClr val="accent1">
-              <a:shade val="50000"/>
-            </a:schemeClr>
-          </a:lnRef>
-          <a:fillRef idx="1">
-            <a:schemeClr val="accent1"/>
-          </a:fillRef>
-          <a:effectRef idx="0">
-            <a:schemeClr val="accent1"/>
-          </a:effectRef>
-          <a:fontRef idx="minor">
-            <a:schemeClr val="lt1"/>
-          </a:fontRef>
-        </p:style>
-        <p:txBody>
-          <a:bodyPr rtlCol="0" anchor="ctr"/>
-          <a:lstStyle/>
-          <a:p>
-            <a:pPr algn="ctr"/>
-            <a:endParaRPr lang="en-US"/>
-          </a:p>
-        </p:txBody>
-      </p:sp>
-      <p:sp>
-        <p:nvSpPr>
-          <p:cNvPr id="15" name="TextBox 14"/>
-          <p:cNvSpPr txBox="1"/>
-          <p:nvPr/>
-        </p:nvSpPr>
-        <p:spPr>
-          <a:xfrm>
-            <a:off x="6244983" y="3812023"/>
-            <a:ext cx="4878259" cy="600164"/>
-          </a:xfrm>
-          <a:prstGeom prst="rect">
-            <a:avLst/>
-          </a:prstGeom>
-          <a:solidFill>
-            <a:schemeClr val="accent2">
-              <a:lumMod val="20000"/>
-              <a:lumOff val="80000"/>
-            </a:schemeClr>
-          </a:solidFill>
-        </p:spPr>
-        <p:txBody>
-          <a:bodyPr wrap="none" rtlCol="0">
-            <a:spAutoFit/>
-          </a:bodyPr>
-          <a:lstStyle/>
-          <a:p>
-            <a:r>
-              <a:rPr lang="en-US" sz="1100" smtClean="0">
-                <a:latin typeface="Consolas" panose="020B0609020204030204" pitchFamily="49" charset="0"/>
-              </a:rPr>
-              <a:t>out_of_sample_error &lt;- diamonds_predict – diamonds_test$price</a:t>
-            </a:r>
-            <a:endParaRPr lang="en-US" sz="1100" smtClean="0">
-              <a:latin typeface="Consolas" panose="020B0609020204030204" pitchFamily="49" charset="0"/>
-            </a:endParaRPr>
-          </a:p>
-          <a:p>
-            <a:endParaRPr lang="en-US" sz="1100">
-              <a:latin typeface="Consolas" panose="020B0609020204030204" pitchFamily="49" charset="0"/>
-            </a:endParaRPr>
-          </a:p>
-          <a:p>
-            <a:r>
-              <a:rPr lang="en-US" sz="1100" smtClean="0">
-                <a:latin typeface="Consolas" panose="020B0609020204030204" pitchFamily="49" charset="0"/>
-              </a:rPr>
-              <a:t>out_of_sample_rmse &lt;- sqrt(mean(out_of_sample_error ^ 2))</a:t>
-            </a:r>
-            <a:endParaRPr lang="en-US" sz="1100" smtClean="0">
-              <a:latin typeface="Consolas" panose="020B0609020204030204" pitchFamily="49" charset="0"/>
-            </a:endParaRPr>
-          </a:p>
-        </p:txBody>
-      </p:sp>
-      <p:sp>
-        <p:nvSpPr>
-          <p:cNvPr id="16" name="Down Arrow 15"/>
-          <p:cNvSpPr/>
-          <p:nvPr/>
-        </p:nvSpPr>
-        <p:spPr>
-          <a:xfrm rot="10800000">
-            <a:off x="8700150" y="4813148"/>
-            <a:ext cx="197411" cy="249403"/>
-          </a:xfrm>
-          <a:prstGeom prst="downArrow">
-            <a:avLst/>
-          </a:prstGeom>
-        </p:spPr>
-        <p:style>
-          <a:lnRef idx="2">
-            <a:schemeClr val="accent1">
-              <a:shade val="50000"/>
-            </a:schemeClr>
-          </a:lnRef>
-          <a:fillRef idx="1">
-            <a:schemeClr val="accent1"/>
-          </a:fillRef>
-          <a:effectRef idx="0">
-            <a:schemeClr val="accent1"/>
-          </a:effectRef>
-          <a:fontRef idx="minor">
-            <a:schemeClr val="lt1"/>
-          </a:fontRef>
-        </p:style>
-        <p:txBody>
-          <a:bodyPr rtlCol="0" anchor="ctr"/>
-          <a:lstStyle/>
-          <a:p>
-            <a:pPr algn="ctr"/>
-            <a:endParaRPr lang="en-US"/>
-          </a:p>
-        </p:txBody>
-      </p:sp>
     </p:spTree>
     <p:extLst>
       <p:ext uri="{BB962C8B-B14F-4D97-AF65-F5344CB8AC3E}">
-        <p14:creationId xmlns:p14="http://schemas.microsoft.com/office/powerpoint/2010/main" val="1886858118"/>
+        <p14:creationId xmlns:p14="http://schemas.microsoft.com/office/powerpoint/2010/main" val="3634324516"/>
       </p:ext>
     </p:extLst>
   </p:cSld>
